--- a/Français/3. La modélisation/4.Les relations Many to many.pptx
+++ b/Français/3. La modélisation/4.Les relations Many to many.pptx
@@ -5,7 +5,7 @@
     <p:sldMasterId id="2147483648" r:id="rId1"/>
   </p:sldMasterIdLst>
   <p:notesMasterIdLst>
-    <p:notesMasterId r:id="rId10"/>
+    <p:notesMasterId r:id="rId12"/>
   </p:notesMasterIdLst>
   <p:sldIdLst>
     <p:sldId id="256" r:id="rId2"/>
@@ -13,9 +13,11 @@
     <p:sldId id="260" r:id="rId4"/>
     <p:sldId id="261" r:id="rId5"/>
     <p:sldId id="262" r:id="rId6"/>
-    <p:sldId id="263" r:id="rId7"/>
-    <p:sldId id="264" r:id="rId8"/>
-    <p:sldId id="258" r:id="rId9"/>
+    <p:sldId id="265" r:id="rId7"/>
+    <p:sldId id="266" r:id="rId8"/>
+    <p:sldId id="263" r:id="rId9"/>
+    <p:sldId id="264" r:id="rId10"/>
+    <p:sldId id="258" r:id="rId11"/>
   </p:sldIdLst>
   <p:sldSz cx="12192000" cy="6858000"/>
   <p:notesSz cx="6858000" cy="9144000"/>
@@ -204,7 +206,7 @@
           <a:p>
             <a:fld id="{056BA3B8-9F76-4D81-B71D-76CB85363062}" type="datetimeFigureOut">
               <a:rPr lang="en-US" smtClean="0"/>
-              <a:t>2/26/2025</a:t>
+              <a:t>3/5/2025</a:t>
             </a:fld>
             <a:endParaRPr lang="en-US"/>
           </a:p>
@@ -687,7 +689,7 @@
           <a:p>
             <a:fld id="{6F01DA4D-20EA-48D2-973C-0311EC3005D6}" type="datetimeFigureOut">
               <a:rPr lang="en-US" smtClean="0"/>
-              <a:t>2/26/2025</a:t>
+              <a:t>3/5/2025</a:t>
             </a:fld>
             <a:endParaRPr lang="en-US"/>
           </a:p>
@@ -857,7 +859,7 @@
           <a:p>
             <a:fld id="{6F01DA4D-20EA-48D2-973C-0311EC3005D6}" type="datetimeFigureOut">
               <a:rPr lang="en-US" smtClean="0"/>
-              <a:t>2/26/2025</a:t>
+              <a:t>3/5/2025</a:t>
             </a:fld>
             <a:endParaRPr lang="en-US"/>
           </a:p>
@@ -1037,7 +1039,7 @@
           <a:p>
             <a:fld id="{6F01DA4D-20EA-48D2-973C-0311EC3005D6}" type="datetimeFigureOut">
               <a:rPr lang="en-US" smtClean="0"/>
-              <a:t>2/26/2025</a:t>
+              <a:t>3/5/2025</a:t>
             </a:fld>
             <a:endParaRPr lang="en-US"/>
           </a:p>
@@ -1207,7 +1209,7 @@
           <a:p>
             <a:fld id="{6F01DA4D-20EA-48D2-973C-0311EC3005D6}" type="datetimeFigureOut">
               <a:rPr lang="en-US" smtClean="0"/>
-              <a:t>2/26/2025</a:t>
+              <a:t>3/5/2025</a:t>
             </a:fld>
             <a:endParaRPr lang="en-US"/>
           </a:p>
@@ -1453,7 +1455,7 @@
           <a:p>
             <a:fld id="{6F01DA4D-20EA-48D2-973C-0311EC3005D6}" type="datetimeFigureOut">
               <a:rPr lang="en-US" smtClean="0"/>
-              <a:t>2/26/2025</a:t>
+              <a:t>3/5/2025</a:t>
             </a:fld>
             <a:endParaRPr lang="en-US"/>
           </a:p>
@@ -1685,7 +1687,7 @@
           <a:p>
             <a:fld id="{6F01DA4D-20EA-48D2-973C-0311EC3005D6}" type="datetimeFigureOut">
               <a:rPr lang="en-US" smtClean="0"/>
-              <a:t>2/26/2025</a:t>
+              <a:t>3/5/2025</a:t>
             </a:fld>
             <a:endParaRPr lang="en-US"/>
           </a:p>
@@ -2052,7 +2054,7 @@
           <a:p>
             <a:fld id="{6F01DA4D-20EA-48D2-973C-0311EC3005D6}" type="datetimeFigureOut">
               <a:rPr lang="en-US" smtClean="0"/>
-              <a:t>2/26/2025</a:t>
+              <a:t>3/5/2025</a:t>
             </a:fld>
             <a:endParaRPr lang="en-US"/>
           </a:p>
@@ -2170,7 +2172,7 @@
           <a:p>
             <a:fld id="{6F01DA4D-20EA-48D2-973C-0311EC3005D6}" type="datetimeFigureOut">
               <a:rPr lang="en-US" smtClean="0"/>
-              <a:t>2/26/2025</a:t>
+              <a:t>3/5/2025</a:t>
             </a:fld>
             <a:endParaRPr lang="en-US"/>
           </a:p>
@@ -2265,7 +2267,7 @@
           <a:p>
             <a:fld id="{6F01DA4D-20EA-48D2-973C-0311EC3005D6}" type="datetimeFigureOut">
               <a:rPr lang="en-US" smtClean="0"/>
-              <a:t>2/26/2025</a:t>
+              <a:t>3/5/2025</a:t>
             </a:fld>
             <a:endParaRPr lang="en-US"/>
           </a:p>
@@ -2542,7 +2544,7 @@
           <a:p>
             <a:fld id="{6F01DA4D-20EA-48D2-973C-0311EC3005D6}" type="datetimeFigureOut">
               <a:rPr lang="en-US" smtClean="0"/>
-              <a:t>2/26/2025</a:t>
+              <a:t>3/5/2025</a:t>
             </a:fld>
             <a:endParaRPr lang="en-US"/>
           </a:p>
@@ -2795,7 +2797,7 @@
           <a:p>
             <a:fld id="{6F01DA4D-20EA-48D2-973C-0311EC3005D6}" type="datetimeFigureOut">
               <a:rPr lang="en-US" smtClean="0"/>
-              <a:t>2/26/2025</a:t>
+              <a:t>3/5/2025</a:t>
             </a:fld>
             <a:endParaRPr lang="en-US"/>
           </a:p>
@@ -3008,7 +3010,7 @@
           <a:p>
             <a:fld id="{6F01DA4D-20EA-48D2-973C-0311EC3005D6}" type="datetimeFigureOut">
               <a:rPr lang="en-US" smtClean="0"/>
-              <a:t>2/26/2025</a:t>
+              <a:t>3/5/2025</a:t>
             </a:fld>
             <a:endParaRPr lang="en-US"/>
           </a:p>
@@ -3568,6 +3570,171 @@
 </p:sld>
 </file>
 
+<file path=ppt/slides/slide10.xml><?xml version="1.0" encoding="utf-8"?>
+<p:sld xmlns:a="http://schemas.openxmlformats.org/drawingml/2006/main" xmlns:r="http://schemas.openxmlformats.org/officeDocument/2006/relationships" xmlns:p="http://schemas.openxmlformats.org/presentationml/2006/main">
+  <p:cSld>
+    <p:bg>
+      <p:bgPr>
+        <a:solidFill>
+          <a:srgbClr val="FFC000"/>
+        </a:solidFill>
+        <a:effectLst/>
+      </p:bgPr>
+    </p:bg>
+    <p:spTree>
+      <p:nvGrpSpPr>
+        <p:cNvPr id="1" name=""/>
+        <p:cNvGrpSpPr/>
+        <p:nvPr/>
+      </p:nvGrpSpPr>
+      <p:grpSpPr>
+        <a:xfrm>
+          <a:off x="0" y="0"/>
+          <a:ext cx="0" cy="0"/>
+          <a:chOff x="0" y="0"/>
+          <a:chExt cx="0" cy="0"/>
+        </a:xfrm>
+      </p:grpSpPr>
+      <p:sp>
+        <p:nvSpPr>
+          <p:cNvPr id="2" name="AutoShape 2" descr="Minimalistic illustration in black and white on a white background with the text 'Thank You' elegantly styled below. The design features simple, clean icons such as a handshake or a ribbon to symbolize gratitude, with a professional and modern aesthetic suitable for a presentation closing slide."/>
+          <p:cNvSpPr>
+            <a:spLocks noChangeAspect="1" noChangeArrowheads="1"/>
+          </p:cNvSpPr>
+          <p:nvPr/>
+        </p:nvSpPr>
+        <p:spPr bwMode="auto">
+          <a:xfrm>
+            <a:off x="155575" y="-144463"/>
+            <a:ext cx="304800" cy="304801"/>
+          </a:xfrm>
+          <a:prstGeom prst="rect">
+            <a:avLst/>
+          </a:prstGeom>
+          <a:noFill/>
+          <a:extLst>
+            <a:ext uri="{909E8E84-426E-40DD-AFC4-6F175D3DCCD1}">
+              <a14:hiddenFill xmlns:a14="http://schemas.microsoft.com/office/drawing/2010/main">
+                <a:solidFill>
+                  <a:srgbClr val="FFFFFF"/>
+                </a:solidFill>
+              </a14:hiddenFill>
+            </a:ext>
+          </a:extLst>
+        </p:spPr>
+        <p:txBody>
+          <a:bodyPr vert="horz" wrap="square" lIns="91440" tIns="45720" rIns="91440" bIns="45720" numCol="1" anchor="t" anchorCtr="0" compatLnSpc="1">
+            <a:prstTxWarp prst="textNoShape">
+              <a:avLst/>
+            </a:prstTxWarp>
+          </a:bodyPr>
+          <a:lstStyle/>
+          <a:p>
+            <a:endParaRPr lang="en-US"/>
+          </a:p>
+        </p:txBody>
+      </p:sp>
+      <p:sp>
+        <p:nvSpPr>
+          <p:cNvPr id="7" name="TextBox 6"/>
+          <p:cNvSpPr txBox="1"/>
+          <p:nvPr/>
+        </p:nvSpPr>
+        <p:spPr>
+          <a:xfrm>
+            <a:off x="4023104" y="2629946"/>
+            <a:ext cx="3456395" cy="1569660"/>
+          </a:xfrm>
+          <a:prstGeom prst="rect">
+            <a:avLst/>
+          </a:prstGeom>
+          <a:noFill/>
+        </p:spPr>
+        <p:txBody>
+          <a:bodyPr wrap="none" rtlCol="0">
+            <a:spAutoFit/>
+          </a:bodyPr>
+          <a:lstStyle/>
+          <a:p>
+            <a:r>
+              <a:rPr lang="en-US" sz="9600" b="1" dirty="0" smtClean="0">
+                <a:solidFill>
+                  <a:srgbClr val="7030A0"/>
+                </a:solidFill>
+                <a:latin typeface="Segoe UI" panose="020B0502040204020203" pitchFamily="34" charset="0"/>
+                <a:ea typeface="Verdana" panose="020B0604030504040204" pitchFamily="34" charset="0"/>
+                <a:cs typeface="Segoe UI" panose="020B0502040204020203" pitchFamily="34" charset="0"/>
+              </a:rPr>
+              <a:t>Merci</a:t>
+            </a:r>
+            <a:endParaRPr lang="en-US" sz="9600" b="1" dirty="0">
+              <a:solidFill>
+                <a:srgbClr val="7030A0"/>
+              </a:solidFill>
+              <a:latin typeface="Segoe UI" panose="020B0502040204020203" pitchFamily="34" charset="0"/>
+              <a:ea typeface="Verdana" panose="020B0604030504040204" pitchFamily="34" charset="0"/>
+              <a:cs typeface="Segoe UI" panose="020B0502040204020203" pitchFamily="34" charset="0"/>
+            </a:endParaRPr>
+          </a:p>
+        </p:txBody>
+      </p:sp>
+      <p:sp>
+        <p:nvSpPr>
+          <p:cNvPr id="8" name="TextBox 7"/>
+          <p:cNvSpPr txBox="1"/>
+          <p:nvPr/>
+        </p:nvSpPr>
+        <p:spPr>
+          <a:xfrm>
+            <a:off x="3962373" y="2541714"/>
+            <a:ext cx="3456395" cy="1569660"/>
+          </a:xfrm>
+          <a:prstGeom prst="rect">
+            <a:avLst/>
+          </a:prstGeom>
+          <a:noFill/>
+        </p:spPr>
+        <p:txBody>
+          <a:bodyPr wrap="none" rtlCol="0">
+            <a:spAutoFit/>
+          </a:bodyPr>
+          <a:lstStyle/>
+          <a:p>
+            <a:r>
+              <a:rPr lang="en-US" sz="9600" b="1" dirty="0" smtClean="0">
+                <a:solidFill>
+                  <a:schemeClr val="bg1"/>
+                </a:solidFill>
+                <a:latin typeface="Segoe UI" panose="020B0502040204020203" pitchFamily="34" charset="0"/>
+                <a:ea typeface="Verdana" panose="020B0604030504040204" pitchFamily="34" charset="0"/>
+                <a:cs typeface="Segoe UI" panose="020B0502040204020203" pitchFamily="34" charset="0"/>
+              </a:rPr>
+              <a:t>Merci</a:t>
+            </a:r>
+            <a:endParaRPr lang="en-US" sz="9600" b="1" dirty="0">
+              <a:solidFill>
+                <a:schemeClr val="bg1"/>
+              </a:solidFill>
+              <a:latin typeface="Segoe UI" panose="020B0502040204020203" pitchFamily="34" charset="0"/>
+              <a:ea typeface="Verdana" panose="020B0604030504040204" pitchFamily="34" charset="0"/>
+              <a:cs typeface="Segoe UI" panose="020B0502040204020203" pitchFamily="34" charset="0"/>
+            </a:endParaRPr>
+          </a:p>
+        </p:txBody>
+      </p:sp>
+    </p:spTree>
+    <p:extLst>
+      <p:ext uri="{BB962C8B-B14F-4D97-AF65-F5344CB8AC3E}">
+        <p14:creationId xmlns:p14="http://schemas.microsoft.com/office/powerpoint/2010/main" val="3494127604"/>
+      </p:ext>
+    </p:extLst>
+  </p:cSld>
+  <p:clrMapOvr>
+    <a:masterClrMapping/>
+  </p:clrMapOvr>
+</p:sld>
+</file>
+
 <file path=ppt/slides/slide2.xml><?xml version="1.0" encoding="utf-8"?>
 <p:sld xmlns:a="http://schemas.openxmlformats.org/drawingml/2006/main" xmlns:r="http://schemas.openxmlformats.org/officeDocument/2006/relationships" xmlns:p="http://schemas.openxmlformats.org/presentationml/2006/main">
   <p:cSld>
@@ -3658,8 +3825,12 @@
               <a:t>Note : </a:t>
             </a:r>
             <a:r>
+              <a:rPr lang="fr-FR" sz="2000" dirty="0" smtClean="0"/>
+              <a:t>Cet atelier utilise </a:t>
+            </a:r>
+            <a:r>
               <a:rPr lang="fr-FR" sz="2000" dirty="0"/>
-              <a:t>Ce laboratoire utilise le fichier </a:t>
+              <a:t>le fichier </a:t>
             </a:r>
             <a:r>
               <a:rPr lang="fr-FR" sz="2000" b="1" dirty="0"/>
@@ -3733,8 +3904,13 @@
             </a:r>
             <a:r>
               <a:rPr lang="fr-FR" sz="2000" dirty="0"/>
-              <a:t> entre les tables comme suit :</a:t>
-            </a:r>
+              <a:t> entre les tables </a:t>
+            </a:r>
+            <a:r>
+              <a:rPr lang="fr-FR" sz="2000" dirty="0" smtClean="0"/>
+              <a:t>:</a:t>
+            </a:r>
+            <a:endParaRPr lang="fr-FR" sz="2000" dirty="0"/>
           </a:p>
           <a:p>
             <a:pPr lvl="1">
@@ -4547,237 +4723,6 @@
           </a:p>
         </p:txBody>
       </p:sp>
-      <p:sp>
-        <p:nvSpPr>
-          <p:cNvPr id="7" name="Rectangle 6"/>
-          <p:cNvSpPr/>
-          <p:nvPr/>
-        </p:nvSpPr>
-        <p:spPr>
-          <a:xfrm>
-            <a:off x="3499469" y="1602734"/>
-            <a:ext cx="6096000" cy="2308324"/>
-          </a:xfrm>
-          <a:prstGeom prst="rect">
-            <a:avLst/>
-          </a:prstGeom>
-        </p:spPr>
-        <p:txBody>
-          <a:bodyPr>
-            <a:spAutoFit/>
-          </a:bodyPr>
-          <a:lstStyle/>
-          <a:p>
-            <a:r>
-              <a:rPr lang="en-US" dirty="0">
-                <a:solidFill>
-                  <a:srgbClr val="000000"/>
-                </a:solidFill>
-                <a:latin typeface="Consolas" panose="020B0609020204030204" pitchFamily="49" charset="0"/>
-              </a:rPr>
-              <a:t>Total Sales = </a:t>
-            </a:r>
-          </a:p>
-          <a:p>
-            <a:r>
-              <a:rPr lang="en-US" dirty="0">
-                <a:solidFill>
-                  <a:srgbClr val="3165BB"/>
-                </a:solidFill>
-                <a:latin typeface="Consolas" panose="020B0609020204030204" pitchFamily="49" charset="0"/>
-              </a:rPr>
-              <a:t>SUMX</a:t>
-            </a:r>
-            <a:r>
-              <a:rPr lang="en-US" dirty="0">
-                <a:solidFill>
-                  <a:srgbClr val="000000"/>
-                </a:solidFill>
-                <a:latin typeface="Consolas" panose="020B0609020204030204" pitchFamily="49" charset="0"/>
-              </a:rPr>
-              <a:t>(</a:t>
-            </a:r>
-          </a:p>
-          <a:p>
-            <a:r>
-              <a:rPr lang="en-US" dirty="0">
-                <a:solidFill>
-                  <a:srgbClr val="000000"/>
-                </a:solidFill>
-                <a:latin typeface="Consolas" panose="020B0609020204030204" pitchFamily="49" charset="0"/>
-              </a:rPr>
-              <a:t>    </a:t>
-            </a:r>
-            <a:r>
-              <a:rPr lang="en-US" dirty="0" err="1">
-                <a:solidFill>
-                  <a:srgbClr val="000000"/>
-                </a:solidFill>
-                <a:latin typeface="Consolas" panose="020B0609020204030204" pitchFamily="49" charset="0"/>
-              </a:rPr>
-              <a:t>ProductSupplier</a:t>
-            </a:r>
-            <a:r>
-              <a:rPr lang="en-US" dirty="0">
-                <a:solidFill>
-                  <a:srgbClr val="000000"/>
-                </a:solidFill>
-                <a:latin typeface="Consolas" panose="020B0609020204030204" pitchFamily="49" charset="0"/>
-              </a:rPr>
-              <a:t>,</a:t>
-            </a:r>
-          </a:p>
-          <a:p>
-            <a:r>
-              <a:rPr lang="en-US" dirty="0">
-                <a:solidFill>
-                  <a:srgbClr val="000000"/>
-                </a:solidFill>
-                <a:latin typeface="Consolas" panose="020B0609020204030204" pitchFamily="49" charset="0"/>
-              </a:rPr>
-              <a:t>    </a:t>
-            </a:r>
-            <a:r>
-              <a:rPr lang="en-US" dirty="0">
-                <a:solidFill>
-                  <a:srgbClr val="3165BB"/>
-                </a:solidFill>
-                <a:latin typeface="Consolas" panose="020B0609020204030204" pitchFamily="49" charset="0"/>
-              </a:rPr>
-              <a:t>COALESCE</a:t>
-            </a:r>
-            <a:r>
-              <a:rPr lang="en-US" dirty="0">
-                <a:solidFill>
-                  <a:srgbClr val="000000"/>
-                </a:solidFill>
-                <a:latin typeface="Consolas" panose="020B0609020204030204" pitchFamily="49" charset="0"/>
-              </a:rPr>
-              <a:t>(</a:t>
-            </a:r>
-          </a:p>
-          <a:p>
-            <a:r>
-              <a:rPr lang="en-US" dirty="0">
-                <a:solidFill>
-                  <a:srgbClr val="000000"/>
-                </a:solidFill>
-                <a:latin typeface="Consolas" panose="020B0609020204030204" pitchFamily="49" charset="0"/>
-              </a:rPr>
-              <a:t>        </a:t>
-            </a:r>
-            <a:r>
-              <a:rPr lang="en-US" dirty="0">
-                <a:solidFill>
-                  <a:srgbClr val="3165BB"/>
-                </a:solidFill>
-                <a:latin typeface="Consolas" panose="020B0609020204030204" pitchFamily="49" charset="0"/>
-              </a:rPr>
-              <a:t>CALCULATE</a:t>
-            </a:r>
-            <a:r>
-              <a:rPr lang="en-US" dirty="0">
-                <a:solidFill>
-                  <a:srgbClr val="000000"/>
-                </a:solidFill>
-                <a:latin typeface="Consolas" panose="020B0609020204030204" pitchFamily="49" charset="0"/>
-              </a:rPr>
-              <a:t>(</a:t>
-            </a:r>
-            <a:r>
-              <a:rPr lang="en-US" dirty="0">
-                <a:solidFill>
-                  <a:srgbClr val="3165BB"/>
-                </a:solidFill>
-                <a:latin typeface="Consolas" panose="020B0609020204030204" pitchFamily="49" charset="0"/>
-              </a:rPr>
-              <a:t>SUM</a:t>
-            </a:r>
-            <a:r>
-              <a:rPr lang="en-US" dirty="0">
-                <a:solidFill>
-                  <a:srgbClr val="000000"/>
-                </a:solidFill>
-                <a:latin typeface="Consolas" panose="020B0609020204030204" pitchFamily="49" charset="0"/>
-              </a:rPr>
-              <a:t>(FactSales[</a:t>
-            </a:r>
-            <a:r>
-              <a:rPr lang="en-US" dirty="0" err="1">
-                <a:solidFill>
-                  <a:srgbClr val="000000"/>
-                </a:solidFill>
-                <a:latin typeface="Consolas" panose="020B0609020204030204" pitchFamily="49" charset="0"/>
-              </a:rPr>
-              <a:t>SalesAmount</a:t>
-            </a:r>
-            <a:r>
-              <a:rPr lang="en-US" dirty="0">
-                <a:solidFill>
-                  <a:srgbClr val="000000"/>
-                </a:solidFill>
-                <a:latin typeface="Consolas" panose="020B0609020204030204" pitchFamily="49" charset="0"/>
-              </a:rPr>
-              <a:t>])),</a:t>
-            </a:r>
-          </a:p>
-          <a:p>
-            <a:r>
-              <a:rPr lang="en-US" dirty="0">
-                <a:solidFill>
-                  <a:srgbClr val="000000"/>
-                </a:solidFill>
-                <a:latin typeface="Consolas" panose="020B0609020204030204" pitchFamily="49" charset="0"/>
-              </a:rPr>
-              <a:t>        </a:t>
-            </a:r>
-            <a:r>
-              <a:rPr lang="en-US" dirty="0">
-                <a:solidFill>
-                  <a:srgbClr val="098658"/>
-                </a:solidFill>
-                <a:latin typeface="Consolas" panose="020B0609020204030204" pitchFamily="49" charset="0"/>
-              </a:rPr>
-              <a:t>0</a:t>
-            </a:r>
-            <a:endParaRPr lang="en-US" dirty="0">
-              <a:solidFill>
-                <a:srgbClr val="000000"/>
-              </a:solidFill>
-              <a:latin typeface="Consolas" panose="020B0609020204030204" pitchFamily="49" charset="0"/>
-            </a:endParaRPr>
-          </a:p>
-          <a:p>
-            <a:r>
-              <a:rPr lang="en-US" dirty="0">
-                <a:solidFill>
-                  <a:srgbClr val="000000"/>
-                </a:solidFill>
-                <a:latin typeface="Consolas" panose="020B0609020204030204" pitchFamily="49" charset="0"/>
-              </a:rPr>
-              <a:t>    )</a:t>
-            </a:r>
-          </a:p>
-          <a:p>
-            <a:r>
-              <a:rPr lang="en-US" dirty="0">
-                <a:solidFill>
-                  <a:srgbClr val="000000"/>
-                </a:solidFill>
-                <a:latin typeface="Consolas" panose="020B0609020204030204" pitchFamily="49" charset="0"/>
-              </a:rPr>
-              <a:t>)</a:t>
-            </a:r>
-            <a:endParaRPr lang="en-US" b="0" dirty="0">
-              <a:solidFill>
-                <a:srgbClr val="000000"/>
-              </a:solidFill>
-              <a:effectLst/>
-              <a:latin typeface="Consolas" panose="020B0609020204030204" pitchFamily="49" charset="0"/>
-            </a:endParaRPr>
-          </a:p>
-        </p:txBody>
-      </p:sp>
       <p:pic>
         <p:nvPicPr>
           <p:cNvPr id="8" name="Picture 7"/>
@@ -4842,6 +4787,190 @@
               <a:t>FactSales</a:t>
             </a:r>
             <a:endParaRPr lang="en-US" sz="2000" dirty="0"/>
+          </a:p>
+        </p:txBody>
+      </p:sp>
+      <p:sp>
+        <p:nvSpPr>
+          <p:cNvPr id="9" name="Rectangle 8"/>
+          <p:cNvSpPr/>
+          <p:nvPr/>
+        </p:nvSpPr>
+        <p:spPr>
+          <a:xfrm>
+            <a:off x="3295506" y="1602734"/>
+            <a:ext cx="6096000" cy="923330"/>
+          </a:xfrm>
+          <a:prstGeom prst="rect">
+            <a:avLst/>
+          </a:prstGeom>
+        </p:spPr>
+        <p:txBody>
+          <a:bodyPr>
+            <a:spAutoFit/>
+          </a:bodyPr>
+          <a:lstStyle/>
+          <a:p>
+            <a:r>
+              <a:rPr lang="en-US" dirty="0">
+                <a:solidFill>
+                  <a:srgbClr val="000000"/>
+                </a:solidFill>
+                <a:latin typeface="Consolas" panose="020B0609020204030204" pitchFamily="49" charset="0"/>
+              </a:rPr>
+              <a:t>Total Sales = </a:t>
+            </a:r>
+            <a:r>
+              <a:rPr lang="en-US" dirty="0">
+                <a:solidFill>
+                  <a:srgbClr val="3165BB"/>
+                </a:solidFill>
+                <a:latin typeface="Consolas" panose="020B0609020204030204" pitchFamily="49" charset="0"/>
+              </a:rPr>
+              <a:t>SUMX</a:t>
+            </a:r>
+            <a:r>
+              <a:rPr lang="en-US" dirty="0">
+                <a:solidFill>
+                  <a:srgbClr val="000000"/>
+                </a:solidFill>
+                <a:latin typeface="Consolas" panose="020B0609020204030204" pitchFamily="49" charset="0"/>
+              </a:rPr>
+              <a:t>(</a:t>
+            </a:r>
+            <a:r>
+              <a:rPr lang="en-US" dirty="0" err="1">
+                <a:solidFill>
+                  <a:srgbClr val="001080"/>
+                </a:solidFill>
+                <a:latin typeface="Consolas" panose="020B0609020204030204" pitchFamily="49" charset="0"/>
+              </a:rPr>
+              <a:t>ProductSupplier</a:t>
+            </a:r>
+            <a:r>
+              <a:rPr lang="en-US" dirty="0" err="1">
+                <a:solidFill>
+                  <a:srgbClr val="000000"/>
+                </a:solidFill>
+                <a:latin typeface="Consolas" panose="020B0609020204030204" pitchFamily="49" charset="0"/>
+              </a:rPr>
+              <a:t>,</a:t>
+            </a:r>
+            <a:r>
+              <a:rPr lang="en-US" dirty="0" err="1">
+                <a:solidFill>
+                  <a:srgbClr val="3165BB"/>
+                </a:solidFill>
+                <a:latin typeface="Consolas" panose="020B0609020204030204" pitchFamily="49" charset="0"/>
+              </a:rPr>
+              <a:t>COALESCE</a:t>
+            </a:r>
+            <a:r>
+              <a:rPr lang="en-US" dirty="0">
+                <a:solidFill>
+                  <a:srgbClr val="000000"/>
+                </a:solidFill>
+                <a:latin typeface="Consolas" panose="020B0609020204030204" pitchFamily="49" charset="0"/>
+              </a:rPr>
+              <a:t>(</a:t>
+            </a:r>
+            <a:r>
+              <a:rPr lang="en-US" dirty="0">
+                <a:solidFill>
+                  <a:srgbClr val="3165BB"/>
+                </a:solidFill>
+                <a:latin typeface="Consolas" panose="020B0609020204030204" pitchFamily="49" charset="0"/>
+              </a:rPr>
+              <a:t>CALCULATE</a:t>
+            </a:r>
+            <a:r>
+              <a:rPr lang="en-US" dirty="0">
+                <a:solidFill>
+                  <a:srgbClr val="000000"/>
+                </a:solidFill>
+                <a:latin typeface="Consolas" panose="020B0609020204030204" pitchFamily="49" charset="0"/>
+              </a:rPr>
+              <a:t>(</a:t>
+            </a:r>
+            <a:r>
+              <a:rPr lang="en-US" dirty="0">
+                <a:solidFill>
+                  <a:srgbClr val="3165BB"/>
+                </a:solidFill>
+                <a:latin typeface="Consolas" panose="020B0609020204030204" pitchFamily="49" charset="0"/>
+              </a:rPr>
+              <a:t>SUM</a:t>
+            </a:r>
+            <a:r>
+              <a:rPr lang="en-US" dirty="0">
+                <a:solidFill>
+                  <a:srgbClr val="000000"/>
+                </a:solidFill>
+                <a:latin typeface="Consolas" panose="020B0609020204030204" pitchFamily="49" charset="0"/>
+              </a:rPr>
+              <a:t>(</a:t>
+            </a:r>
+            <a:r>
+              <a:rPr lang="en-US" dirty="0">
+                <a:solidFill>
+                  <a:srgbClr val="001080"/>
+                </a:solidFill>
+                <a:latin typeface="Consolas" panose="020B0609020204030204" pitchFamily="49" charset="0"/>
+              </a:rPr>
+              <a:t>FactSales[</a:t>
+            </a:r>
+            <a:r>
+              <a:rPr lang="en-US" dirty="0" err="1">
+                <a:solidFill>
+                  <a:srgbClr val="001080"/>
+                </a:solidFill>
+                <a:latin typeface="Consolas" panose="020B0609020204030204" pitchFamily="49" charset="0"/>
+              </a:rPr>
+              <a:t>SalesAmount</a:t>
+            </a:r>
+            <a:r>
+              <a:rPr lang="en-US" dirty="0">
+                <a:solidFill>
+                  <a:srgbClr val="001080"/>
+                </a:solidFill>
+                <a:latin typeface="Consolas" panose="020B0609020204030204" pitchFamily="49" charset="0"/>
+              </a:rPr>
+              <a:t>]</a:t>
+            </a:r>
+            <a:r>
+              <a:rPr lang="en-US" dirty="0">
+                <a:solidFill>
+                  <a:srgbClr val="000000"/>
+                </a:solidFill>
+                <a:latin typeface="Consolas" panose="020B0609020204030204" pitchFamily="49" charset="0"/>
+              </a:rPr>
+              <a:t>)),</a:t>
+            </a:r>
+            <a:r>
+              <a:rPr lang="en-US" dirty="0">
+                <a:solidFill>
+                  <a:srgbClr val="098658"/>
+                </a:solidFill>
+                <a:latin typeface="Consolas" panose="020B0609020204030204" pitchFamily="49" charset="0"/>
+              </a:rPr>
+              <a:t>0</a:t>
+            </a:r>
+            <a:r>
+              <a:rPr lang="en-US" dirty="0">
+                <a:solidFill>
+                  <a:srgbClr val="000000"/>
+                </a:solidFill>
+                <a:latin typeface="Consolas" panose="020B0609020204030204" pitchFamily="49" charset="0"/>
+              </a:rPr>
+              <a:t>))</a:t>
+            </a:r>
+            <a:endParaRPr lang="en-US" b="0" dirty="0">
+              <a:solidFill>
+                <a:srgbClr val="000000"/>
+              </a:solidFill>
+              <a:effectLst/>
+              <a:latin typeface="Consolas" panose="020B0609020204030204" pitchFamily="49" charset="0"/>
+            </a:endParaRPr>
           </a:p>
         </p:txBody>
       </p:sp>
@@ -4913,6 +5042,1290 @@
       </p:sp>
       <p:sp>
         <p:nvSpPr>
+          <p:cNvPr id="3" name="Rectangle 1"/>
+          <p:cNvSpPr>
+            <a:spLocks noChangeArrowheads="1"/>
+          </p:cNvSpPr>
+          <p:nvPr/>
+        </p:nvSpPr>
+        <p:spPr bwMode="auto">
+          <a:xfrm>
+            <a:off x="288758" y="757235"/>
+            <a:ext cx="11065722" cy="369332"/>
+          </a:xfrm>
+          <a:prstGeom prst="rect">
+            <a:avLst/>
+          </a:prstGeom>
+          <a:noFill/>
+          <a:ln>
+            <a:noFill/>
+          </a:ln>
+          <a:effectLst/>
+          <a:extLst>
+            <a:ext uri="{909E8E84-426E-40DD-AFC4-6F175D3DCCD1}">
+              <a14:hiddenFill xmlns:a14="http://schemas.microsoft.com/office/drawing/2010/main">
+                <a:solidFill>
+                  <a:schemeClr val="accent1"/>
+                </a:solidFill>
+              </a14:hiddenFill>
+            </a:ext>
+            <a:ext uri="{91240B29-F687-4F45-9708-019B960494DF}">
+              <a14:hiddenLine xmlns:a14="http://schemas.microsoft.com/office/drawing/2010/main" w="9525">
+                <a:solidFill>
+                  <a:schemeClr val="tx1"/>
+                </a:solidFill>
+                <a:miter lim="800000"/>
+                <a:headEnd/>
+                <a:tailEnd/>
+              </a14:hiddenLine>
+            </a:ext>
+            <a:ext uri="{AF507438-7753-43E0-B8FC-AC1667EBCBE1}">
+              <a14:hiddenEffects xmlns:a14="http://schemas.microsoft.com/office/drawing/2010/main">
+                <a:effectLst>
+                  <a:outerShdw dist="35921" dir="2700000" algn="ctr" rotWithShape="0">
+                    <a:schemeClr val="bg2"/>
+                  </a:outerShdw>
+                </a:effectLst>
+              </a14:hiddenEffects>
+            </a:ext>
+          </a:extLst>
+        </p:spPr>
+        <p:txBody>
+          <a:bodyPr vert="horz" wrap="none" lIns="91440" tIns="45720" rIns="91440" bIns="45720" numCol="1" anchor="ctr" anchorCtr="0" compatLnSpc="1">
+            <a:prstTxWarp prst="textNoShape">
+              <a:avLst/>
+            </a:prstTxWarp>
+            <a:spAutoFit/>
+          </a:bodyPr>
+          <a:lstStyle/>
+          <a:p>
+            <a:pPr marL="0" marR="0" lvl="0" indent="0" algn="l" defTabSz="914400" rtl="0" eaLnBrk="0" fontAlgn="base" latinLnBrk="0" hangingPunct="0">
+              <a:lnSpc>
+                <a:spcPct val="100000"/>
+              </a:lnSpc>
+              <a:spcBef>
+                <a:spcPct val="0"/>
+              </a:spcBef>
+              <a:spcAft>
+                <a:spcPct val="0"/>
+              </a:spcAft>
+              <a:buClrTx/>
+              <a:buSzTx/>
+              <a:buFontTx/>
+              <a:buNone/>
+              <a:tabLst/>
+            </a:pPr>
+            <a:r>
+              <a:rPr kumimoji="0" lang="fr-FR" altLang="en-US" b="0" i="0" u="none" strike="noStrike" cap="none" normalizeH="0" baseline="0" dirty="0" smtClean="0">
+                <a:ln>
+                  <a:noFill/>
+                </a:ln>
+                <a:solidFill>
+                  <a:schemeClr val="tx1"/>
+                </a:solidFill>
+                <a:effectLst/>
+                <a:latin typeface="Segoe UI" panose="020B0502040204020203" pitchFamily="34" charset="0"/>
+                <a:cs typeface="Segoe UI" panose="020B0502040204020203" pitchFamily="34" charset="0"/>
+              </a:rPr>
+              <a:t>La mesure </a:t>
+            </a:r>
+            <a:r>
+              <a:rPr kumimoji="0" lang="fr-FR" altLang="en-US" b="1" i="0" u="none" strike="noStrike" cap="none" normalizeH="0" baseline="0" dirty="0" smtClean="0">
+                <a:ln>
+                  <a:noFill/>
+                </a:ln>
+                <a:solidFill>
+                  <a:schemeClr val="tx1"/>
+                </a:solidFill>
+                <a:effectLst/>
+                <a:latin typeface="Segoe UI" panose="020B0502040204020203" pitchFamily="34" charset="0"/>
+                <a:cs typeface="Segoe UI" panose="020B0502040204020203" pitchFamily="34" charset="0"/>
+              </a:rPr>
+              <a:t>Total Sales</a:t>
+            </a:r>
+            <a:r>
+              <a:rPr kumimoji="0" lang="fr-FR" altLang="en-US" b="0" i="0" u="none" strike="noStrike" cap="none" normalizeH="0" baseline="0" dirty="0" smtClean="0">
+                <a:ln>
+                  <a:noFill/>
+                </a:ln>
+                <a:solidFill>
+                  <a:schemeClr val="tx1"/>
+                </a:solidFill>
+                <a:effectLst/>
+                <a:latin typeface="Segoe UI" panose="020B0502040204020203" pitchFamily="34" charset="0"/>
+                <a:cs typeface="Segoe UI" panose="020B0502040204020203" pitchFamily="34" charset="0"/>
+              </a:rPr>
+              <a:t> calcule la somme des ventes </a:t>
+            </a:r>
+            <a:r>
+              <a:rPr kumimoji="0" lang="fr-FR" altLang="en-US" b="1" i="0" u="none" strike="noStrike" cap="none" normalizeH="0" baseline="0" dirty="0" err="1" smtClean="0">
+                <a:ln>
+                  <a:noFill/>
+                </a:ln>
+                <a:solidFill>
+                  <a:schemeClr val="tx1"/>
+                </a:solidFill>
+                <a:effectLst/>
+                <a:latin typeface="Segoe UI" panose="020B0502040204020203" pitchFamily="34" charset="0"/>
+                <a:cs typeface="Segoe UI" panose="020B0502040204020203" pitchFamily="34" charset="0"/>
+              </a:rPr>
+              <a:t>SalesAmount</a:t>
+            </a:r>
+            <a:r>
+              <a:rPr kumimoji="0" lang="fr-FR" altLang="en-US" b="0" i="0" u="none" strike="noStrike" cap="none" normalizeH="0" baseline="0" dirty="0" smtClean="0">
+                <a:ln>
+                  <a:noFill/>
+                </a:ln>
+                <a:solidFill>
+                  <a:schemeClr val="tx1"/>
+                </a:solidFill>
+                <a:effectLst/>
+                <a:latin typeface="Segoe UI" panose="020B0502040204020203" pitchFamily="34" charset="0"/>
+                <a:cs typeface="Segoe UI" panose="020B0502040204020203" pitchFamily="34" charset="0"/>
+              </a:rPr>
+              <a:t> en parcourant la table </a:t>
+            </a:r>
+            <a:r>
+              <a:rPr kumimoji="0" lang="fr-FR" altLang="en-US" b="1" i="0" u="none" strike="noStrike" cap="none" normalizeH="0" baseline="0" dirty="0" err="1" smtClean="0">
+                <a:ln>
+                  <a:noFill/>
+                </a:ln>
+                <a:solidFill>
+                  <a:schemeClr val="tx1"/>
+                </a:solidFill>
+                <a:effectLst/>
+                <a:latin typeface="Segoe UI" panose="020B0502040204020203" pitchFamily="34" charset="0"/>
+                <a:cs typeface="Segoe UI" panose="020B0502040204020203" pitchFamily="34" charset="0"/>
+              </a:rPr>
+              <a:t>ProductSupplier</a:t>
+            </a:r>
+            <a:r>
+              <a:rPr kumimoji="0" lang="fr-FR" altLang="en-US" b="0" i="0" u="none" strike="noStrike" cap="none" normalizeH="0" baseline="0" dirty="0" smtClean="0">
+                <a:ln>
+                  <a:noFill/>
+                </a:ln>
+                <a:solidFill>
+                  <a:schemeClr val="tx1"/>
+                </a:solidFill>
+                <a:effectLst/>
+                <a:latin typeface="Segoe UI" panose="020B0502040204020203" pitchFamily="34" charset="0"/>
+                <a:cs typeface="Segoe UI" panose="020B0502040204020203" pitchFamily="34" charset="0"/>
+              </a:rPr>
+              <a:t> </a:t>
+            </a:r>
+          </a:p>
+        </p:txBody>
+      </p:sp>
+      <p:pic>
+        <p:nvPicPr>
+          <p:cNvPr id="4" name="Picture 3"/>
+          <p:cNvPicPr>
+            <a:picLocks noChangeAspect="1"/>
+          </p:cNvPicPr>
+          <p:nvPr/>
+        </p:nvPicPr>
+        <p:blipFill>
+          <a:blip r:embed="rId2"/>
+          <a:stretch>
+            <a:fillRect/>
+          </a:stretch>
+        </p:blipFill>
+        <p:spPr>
+          <a:xfrm>
+            <a:off x="848875" y="1433100"/>
+            <a:ext cx="9945488" cy="4363059"/>
+          </a:xfrm>
+          <a:prstGeom prst="rect">
+            <a:avLst/>
+          </a:prstGeom>
+        </p:spPr>
+      </p:pic>
+    </p:spTree>
+    <p:extLst>
+      <p:ext uri="{BB962C8B-B14F-4D97-AF65-F5344CB8AC3E}">
+        <p14:creationId xmlns:p14="http://schemas.microsoft.com/office/powerpoint/2010/main" val="3244137987"/>
+      </p:ext>
+    </p:extLst>
+  </p:cSld>
+  <p:clrMapOvr>
+    <a:masterClrMapping/>
+  </p:clrMapOvr>
+</p:sld>
+</file>
+
+<file path=ppt/slides/slide7.xml><?xml version="1.0" encoding="utf-8"?>
+<p:sld xmlns:a="http://schemas.openxmlformats.org/drawingml/2006/main" xmlns:r="http://schemas.openxmlformats.org/officeDocument/2006/relationships" xmlns:p="http://schemas.openxmlformats.org/presentationml/2006/main">
+  <p:cSld>
+    <p:spTree>
+      <p:nvGrpSpPr>
+        <p:cNvPr id="1" name=""/>
+        <p:cNvGrpSpPr/>
+        <p:nvPr/>
+      </p:nvGrpSpPr>
+      <p:grpSpPr>
+        <a:xfrm>
+          <a:off x="0" y="0"/>
+          <a:ext cx="0" cy="0"/>
+          <a:chOff x="0" y="0"/>
+          <a:chExt cx="0" cy="0"/>
+        </a:xfrm>
+      </p:grpSpPr>
+      <p:sp>
+        <p:nvSpPr>
+          <p:cNvPr id="2" name="TextBox 1"/>
+          <p:cNvSpPr txBox="1"/>
+          <p:nvPr/>
+        </p:nvSpPr>
+        <p:spPr>
+          <a:xfrm>
+            <a:off x="288758" y="275007"/>
+            <a:ext cx="1924501" cy="400110"/>
+          </a:xfrm>
+          <a:prstGeom prst="rect">
+            <a:avLst/>
+          </a:prstGeom>
+          <a:noFill/>
+        </p:spPr>
+        <p:txBody>
+          <a:bodyPr wrap="none" rtlCol="0">
+            <a:spAutoFit/>
+          </a:bodyPr>
+          <a:lstStyle/>
+          <a:p>
+            <a:r>
+              <a:rPr lang="en-US" sz="2000" b="1" dirty="0" smtClean="0">
+                <a:latin typeface="Segoe UI" panose="020B0502040204020203" pitchFamily="34" charset="0"/>
+                <a:cs typeface="Segoe UI" panose="020B0502040204020203" pitchFamily="34" charset="0"/>
+              </a:rPr>
+              <a:t>Many to many</a:t>
+            </a:r>
+            <a:endParaRPr lang="en-US" sz="2000" b="1" dirty="0">
+              <a:latin typeface="Segoe UI" panose="020B0502040204020203" pitchFamily="34" charset="0"/>
+              <a:cs typeface="Segoe UI" panose="020B0502040204020203" pitchFamily="34" charset="0"/>
+            </a:endParaRPr>
+          </a:p>
+        </p:txBody>
+      </p:sp>
+      <p:sp>
+        <p:nvSpPr>
+          <p:cNvPr id="5" name="Rectangle 1"/>
+          <p:cNvSpPr>
+            <a:spLocks noChangeArrowheads="1"/>
+          </p:cNvSpPr>
+          <p:nvPr/>
+        </p:nvSpPr>
+        <p:spPr bwMode="auto">
+          <a:xfrm>
+            <a:off x="405636" y="871848"/>
+            <a:ext cx="8593378" cy="1477328"/>
+          </a:xfrm>
+          <a:prstGeom prst="rect">
+            <a:avLst/>
+          </a:prstGeom>
+          <a:noFill/>
+          <a:ln>
+            <a:noFill/>
+          </a:ln>
+          <a:effectLst/>
+          <a:extLst>
+            <a:ext uri="{909E8E84-426E-40DD-AFC4-6F175D3DCCD1}">
+              <a14:hiddenFill xmlns:a14="http://schemas.microsoft.com/office/drawing/2010/main">
+                <a:solidFill>
+                  <a:schemeClr val="accent1"/>
+                </a:solidFill>
+              </a14:hiddenFill>
+            </a:ext>
+            <a:ext uri="{91240B29-F687-4F45-9708-019B960494DF}">
+              <a14:hiddenLine xmlns:a14="http://schemas.microsoft.com/office/drawing/2010/main" w="9525">
+                <a:solidFill>
+                  <a:schemeClr val="tx1"/>
+                </a:solidFill>
+                <a:miter lim="800000"/>
+                <a:headEnd/>
+                <a:tailEnd/>
+              </a14:hiddenLine>
+            </a:ext>
+            <a:ext uri="{AF507438-7753-43E0-B8FC-AC1667EBCBE1}">
+              <a14:hiddenEffects xmlns:a14="http://schemas.microsoft.com/office/drawing/2010/main">
+                <a:effectLst>
+                  <a:outerShdw dist="35921" dir="2700000" algn="ctr" rotWithShape="0">
+                    <a:schemeClr val="bg2"/>
+                  </a:outerShdw>
+                </a:effectLst>
+              </a14:hiddenEffects>
+            </a:ext>
+          </a:extLst>
+        </p:spPr>
+        <p:txBody>
+          <a:bodyPr vert="horz" wrap="none" lIns="91440" tIns="45720" rIns="91440" bIns="45720" numCol="1" anchor="ctr" anchorCtr="0" compatLnSpc="1">
+            <a:prstTxWarp prst="textNoShape">
+              <a:avLst/>
+            </a:prstTxWarp>
+            <a:spAutoFit/>
+          </a:bodyPr>
+          <a:lstStyle/>
+          <a:p>
+            <a:pPr marL="0" marR="0" lvl="0" indent="0" algn="l" defTabSz="914400" rtl="0" eaLnBrk="0" fontAlgn="base" latinLnBrk="0" hangingPunct="0">
+              <a:lnSpc>
+                <a:spcPct val="100000"/>
+              </a:lnSpc>
+              <a:spcBef>
+                <a:spcPct val="0"/>
+              </a:spcBef>
+              <a:spcAft>
+                <a:spcPct val="0"/>
+              </a:spcAft>
+              <a:buClrTx/>
+              <a:buSzTx/>
+              <a:buFontTx/>
+              <a:buNone/>
+              <a:tabLst/>
+            </a:pPr>
+            <a:r>
+              <a:rPr kumimoji="0" lang="fr-FR" altLang="en-US" b="1" i="0" u="none" strike="noStrike" cap="none" normalizeH="0" baseline="0" dirty="0" smtClean="0">
+                <a:ln>
+                  <a:noFill/>
+                </a:ln>
+                <a:solidFill>
+                  <a:schemeClr val="tx1"/>
+                </a:solidFill>
+                <a:effectLst/>
+                <a:latin typeface="Segoe UI" panose="020B0502040204020203" pitchFamily="34" charset="0"/>
+                <a:cs typeface="Segoe UI" panose="020B0502040204020203" pitchFamily="34" charset="0"/>
+              </a:rPr>
+              <a:t>Décomposition de la formule :</a:t>
+            </a:r>
+          </a:p>
+          <a:p>
+            <a:pPr marL="0" marR="0" lvl="0" indent="0" algn="l" defTabSz="914400" rtl="0" eaLnBrk="0" fontAlgn="base" latinLnBrk="0" hangingPunct="0">
+              <a:lnSpc>
+                <a:spcPct val="100000"/>
+              </a:lnSpc>
+              <a:spcBef>
+                <a:spcPct val="0"/>
+              </a:spcBef>
+              <a:spcAft>
+                <a:spcPct val="0"/>
+              </a:spcAft>
+              <a:buClrTx/>
+              <a:buSzTx/>
+              <a:tabLst/>
+            </a:pPr>
+            <a:endParaRPr kumimoji="0" lang="fr-FR" altLang="en-US" b="1" i="0" u="none" strike="noStrike" cap="none" normalizeH="0" baseline="0" dirty="0" smtClean="0">
+              <a:ln>
+                <a:noFill/>
+              </a:ln>
+              <a:solidFill>
+                <a:schemeClr val="tx1"/>
+              </a:solidFill>
+              <a:effectLst/>
+              <a:latin typeface="Segoe UI" panose="020B0502040204020203" pitchFamily="34" charset="0"/>
+              <a:cs typeface="Segoe UI" panose="020B0502040204020203" pitchFamily="34" charset="0"/>
+            </a:endParaRPr>
+          </a:p>
+          <a:p>
+            <a:pPr marL="0" marR="0" lvl="0" indent="0" algn="l" defTabSz="914400" rtl="0" eaLnBrk="0" fontAlgn="base" latinLnBrk="0" hangingPunct="0">
+              <a:lnSpc>
+                <a:spcPct val="100000"/>
+              </a:lnSpc>
+              <a:spcBef>
+                <a:spcPct val="0"/>
+              </a:spcBef>
+              <a:spcAft>
+                <a:spcPct val="0"/>
+              </a:spcAft>
+              <a:buClrTx/>
+              <a:buSzTx/>
+              <a:tabLst/>
+            </a:pPr>
+            <a:r>
+              <a:rPr kumimoji="0" lang="fr-FR" altLang="en-US" b="1" i="0" u="none" strike="noStrike" cap="none" normalizeH="0" baseline="0" dirty="0" smtClean="0">
+                <a:ln>
+                  <a:noFill/>
+                </a:ln>
+                <a:solidFill>
+                  <a:schemeClr val="tx1"/>
+                </a:solidFill>
+                <a:effectLst/>
+                <a:latin typeface="Segoe UI" panose="020B0502040204020203" pitchFamily="34" charset="0"/>
+                <a:cs typeface="Segoe UI" panose="020B0502040204020203" pitchFamily="34" charset="0"/>
+              </a:rPr>
+              <a:t>SUMX(</a:t>
+            </a:r>
+            <a:r>
+              <a:rPr kumimoji="0" lang="fr-FR" altLang="en-US" b="1" i="0" u="none" strike="noStrike" cap="none" normalizeH="0" baseline="0" dirty="0" err="1" smtClean="0">
+                <a:ln>
+                  <a:noFill/>
+                </a:ln>
+                <a:solidFill>
+                  <a:schemeClr val="tx1"/>
+                </a:solidFill>
+                <a:effectLst/>
+                <a:latin typeface="Segoe UI" panose="020B0502040204020203" pitchFamily="34" charset="0"/>
+                <a:cs typeface="Segoe UI" panose="020B0502040204020203" pitchFamily="34" charset="0"/>
+              </a:rPr>
+              <a:t>ProductSupplier</a:t>
+            </a:r>
+            <a:r>
+              <a:rPr kumimoji="0" lang="fr-FR" altLang="en-US" b="1" i="0" u="none" strike="noStrike" cap="none" normalizeH="0" baseline="0" dirty="0" smtClean="0">
+                <a:ln>
+                  <a:noFill/>
+                </a:ln>
+                <a:solidFill>
+                  <a:schemeClr val="tx1"/>
+                </a:solidFill>
+                <a:effectLst/>
+                <a:latin typeface="Segoe UI" panose="020B0502040204020203" pitchFamily="34" charset="0"/>
+                <a:cs typeface="Segoe UI" panose="020B0502040204020203" pitchFamily="34" charset="0"/>
+              </a:rPr>
+              <a:t>, … )</a:t>
+            </a:r>
+            <a:endParaRPr kumimoji="0" lang="fr-FR" altLang="en-US" b="0" i="0" u="none" strike="noStrike" cap="none" normalizeH="0" baseline="0" dirty="0" smtClean="0">
+              <a:ln>
+                <a:noFill/>
+              </a:ln>
+              <a:solidFill>
+                <a:schemeClr val="tx1"/>
+              </a:solidFill>
+              <a:effectLst/>
+              <a:latin typeface="Segoe UI" panose="020B0502040204020203" pitchFamily="34" charset="0"/>
+              <a:cs typeface="Segoe UI" panose="020B0502040204020203" pitchFamily="34" charset="0"/>
+            </a:endParaRPr>
+          </a:p>
+          <a:p>
+            <a:pPr marL="457200" marR="0" lvl="1" indent="0" algn="l" defTabSz="914400" rtl="0" eaLnBrk="0" fontAlgn="base" latinLnBrk="0" hangingPunct="0">
+              <a:lnSpc>
+                <a:spcPct val="100000"/>
+              </a:lnSpc>
+              <a:spcBef>
+                <a:spcPct val="0"/>
+              </a:spcBef>
+              <a:spcAft>
+                <a:spcPct val="0"/>
+              </a:spcAft>
+              <a:buClrTx/>
+              <a:buSzTx/>
+              <a:buFontTx/>
+              <a:buChar char="•"/>
+              <a:tabLst/>
+            </a:pPr>
+            <a:r>
+              <a:rPr kumimoji="0" lang="fr-FR" altLang="en-US" b="1" i="0" u="none" strike="noStrike" cap="none" normalizeH="0" baseline="0" dirty="0" smtClean="0">
+                <a:ln>
+                  <a:noFill/>
+                </a:ln>
+                <a:solidFill>
+                  <a:schemeClr val="tx1"/>
+                </a:solidFill>
+                <a:effectLst/>
+                <a:latin typeface="Segoe UI" panose="020B0502040204020203" pitchFamily="34" charset="0"/>
+                <a:cs typeface="Segoe UI" panose="020B0502040204020203" pitchFamily="34" charset="0"/>
+              </a:rPr>
+              <a:t>SUMX</a:t>
+            </a:r>
+            <a:r>
+              <a:rPr kumimoji="0" lang="fr-FR" altLang="en-US" b="0" i="0" u="none" strike="noStrike" cap="none" normalizeH="0" baseline="0" dirty="0" smtClean="0">
+                <a:ln>
+                  <a:noFill/>
+                </a:ln>
+                <a:solidFill>
+                  <a:schemeClr val="tx1"/>
+                </a:solidFill>
+                <a:effectLst/>
+                <a:latin typeface="Segoe UI" panose="020B0502040204020203" pitchFamily="34" charset="0"/>
+                <a:cs typeface="Segoe UI" panose="020B0502040204020203" pitchFamily="34" charset="0"/>
+              </a:rPr>
+              <a:t> parcourt chaque ligne de la table </a:t>
+            </a:r>
+            <a:r>
+              <a:rPr kumimoji="0" lang="fr-FR" altLang="en-US" b="1" i="0" u="none" strike="noStrike" cap="none" normalizeH="0" baseline="0" dirty="0" err="1" smtClean="0">
+                <a:ln>
+                  <a:noFill/>
+                </a:ln>
+                <a:solidFill>
+                  <a:schemeClr val="tx1"/>
+                </a:solidFill>
+                <a:effectLst/>
+                <a:latin typeface="Segoe UI" panose="020B0502040204020203" pitchFamily="34" charset="0"/>
+                <a:cs typeface="Segoe UI" panose="020B0502040204020203" pitchFamily="34" charset="0"/>
+              </a:rPr>
+              <a:t>ProductSupplier</a:t>
+            </a:r>
+            <a:r>
+              <a:rPr kumimoji="0" lang="fr-FR" altLang="en-US" b="0" i="0" u="none" strike="noStrike" cap="none" normalizeH="0" baseline="0" dirty="0" smtClean="0">
+                <a:ln>
+                  <a:noFill/>
+                </a:ln>
+                <a:solidFill>
+                  <a:schemeClr val="tx1"/>
+                </a:solidFill>
+                <a:effectLst/>
+                <a:latin typeface="Segoe UI" panose="020B0502040204020203" pitchFamily="34" charset="0"/>
+                <a:cs typeface="Segoe UI" panose="020B0502040204020203" pitchFamily="34" charset="0"/>
+              </a:rPr>
+              <a:t>.</a:t>
+            </a:r>
+          </a:p>
+          <a:p>
+            <a:pPr marL="457200" marR="0" lvl="1" indent="0" algn="l" defTabSz="914400" rtl="0" eaLnBrk="0" fontAlgn="base" latinLnBrk="0" hangingPunct="0">
+              <a:lnSpc>
+                <a:spcPct val="100000"/>
+              </a:lnSpc>
+              <a:spcBef>
+                <a:spcPct val="0"/>
+              </a:spcBef>
+              <a:spcAft>
+                <a:spcPct val="0"/>
+              </a:spcAft>
+              <a:buClrTx/>
+              <a:buSzTx/>
+              <a:buFontTx/>
+              <a:buChar char="•"/>
+              <a:tabLst/>
+            </a:pPr>
+            <a:r>
+              <a:rPr kumimoji="0" lang="fr-FR" altLang="en-US" b="0" i="0" u="none" strike="noStrike" cap="none" normalizeH="0" baseline="0" dirty="0" smtClean="0">
+                <a:ln>
+                  <a:noFill/>
+                </a:ln>
+                <a:solidFill>
+                  <a:schemeClr val="tx1"/>
+                </a:solidFill>
+                <a:effectLst/>
+                <a:latin typeface="Segoe UI" panose="020B0502040204020203" pitchFamily="34" charset="0"/>
+                <a:cs typeface="Segoe UI" panose="020B0502040204020203" pitchFamily="34" charset="0"/>
+              </a:rPr>
+              <a:t>Pour chaque fournisseur, elle évalue l'expression fournie en second argument.</a:t>
+            </a:r>
+          </a:p>
+        </p:txBody>
+      </p:sp>
+      <p:sp>
+        <p:nvSpPr>
+          <p:cNvPr id="6" name="Rectangle 2"/>
+          <p:cNvSpPr>
+            <a:spLocks noChangeArrowheads="1"/>
+          </p:cNvSpPr>
+          <p:nvPr/>
+        </p:nvSpPr>
+        <p:spPr bwMode="auto">
+          <a:xfrm>
+            <a:off x="405636" y="2515556"/>
+            <a:ext cx="10622165" cy="1477328"/>
+          </a:xfrm>
+          <a:prstGeom prst="rect">
+            <a:avLst/>
+          </a:prstGeom>
+          <a:noFill/>
+          <a:ln>
+            <a:noFill/>
+          </a:ln>
+          <a:effectLst/>
+          <a:extLst>
+            <a:ext uri="{909E8E84-426E-40DD-AFC4-6F175D3DCCD1}">
+              <a14:hiddenFill xmlns:a14="http://schemas.microsoft.com/office/drawing/2010/main">
+                <a:solidFill>
+                  <a:schemeClr val="accent1"/>
+                </a:solidFill>
+              </a14:hiddenFill>
+            </a:ext>
+            <a:ext uri="{91240B29-F687-4F45-9708-019B960494DF}">
+              <a14:hiddenLine xmlns:a14="http://schemas.microsoft.com/office/drawing/2010/main" w="9525">
+                <a:solidFill>
+                  <a:schemeClr val="tx1"/>
+                </a:solidFill>
+                <a:miter lim="800000"/>
+                <a:headEnd/>
+                <a:tailEnd/>
+              </a14:hiddenLine>
+            </a:ext>
+            <a:ext uri="{AF507438-7753-43E0-B8FC-AC1667EBCBE1}">
+              <a14:hiddenEffects xmlns:a14="http://schemas.microsoft.com/office/drawing/2010/main">
+                <a:effectLst>
+                  <a:outerShdw dist="35921" dir="2700000" algn="ctr" rotWithShape="0">
+                    <a:schemeClr val="bg2"/>
+                  </a:outerShdw>
+                </a:effectLst>
+              </a14:hiddenEffects>
+            </a:ext>
+          </a:extLst>
+        </p:spPr>
+        <p:txBody>
+          <a:bodyPr vert="horz" wrap="square" lIns="91440" tIns="45720" rIns="91440" bIns="45720" numCol="1" anchor="ctr" anchorCtr="0" compatLnSpc="1">
+            <a:prstTxWarp prst="textNoShape">
+              <a:avLst/>
+            </a:prstTxWarp>
+            <a:spAutoFit/>
+          </a:bodyPr>
+          <a:lstStyle/>
+          <a:p>
+            <a:pPr marL="0" marR="0" lvl="0" indent="0" algn="l" defTabSz="914400" rtl="0" eaLnBrk="0" fontAlgn="base" latinLnBrk="0" hangingPunct="0">
+              <a:lnSpc>
+                <a:spcPct val="100000"/>
+              </a:lnSpc>
+              <a:spcBef>
+                <a:spcPct val="0"/>
+              </a:spcBef>
+              <a:spcAft>
+                <a:spcPct val="0"/>
+              </a:spcAft>
+              <a:buClrTx/>
+              <a:buSzTx/>
+              <a:buFontTx/>
+              <a:buNone/>
+              <a:tabLst/>
+            </a:pPr>
+            <a:r>
+              <a:rPr kumimoji="0" lang="fr-FR" altLang="en-US" b="1" i="0" u="none" strike="noStrike" cap="none" normalizeH="0" baseline="0" dirty="0" smtClean="0">
+                <a:ln>
+                  <a:noFill/>
+                </a:ln>
+                <a:solidFill>
+                  <a:schemeClr val="tx1"/>
+                </a:solidFill>
+                <a:effectLst/>
+                <a:latin typeface="Segoe UI" panose="020B0502040204020203" pitchFamily="34" charset="0"/>
+                <a:cs typeface="Segoe UI" panose="020B0502040204020203" pitchFamily="34" charset="0"/>
+              </a:rPr>
+              <a:t>CALCULATE(SUM(FactSales[</a:t>
+            </a:r>
+            <a:r>
+              <a:rPr kumimoji="0" lang="fr-FR" altLang="en-US" b="1" i="0" u="none" strike="noStrike" cap="none" normalizeH="0" baseline="0" dirty="0" err="1" smtClean="0">
+                <a:ln>
+                  <a:noFill/>
+                </a:ln>
+                <a:solidFill>
+                  <a:schemeClr val="tx1"/>
+                </a:solidFill>
+                <a:effectLst/>
+                <a:latin typeface="Segoe UI" panose="020B0502040204020203" pitchFamily="34" charset="0"/>
+                <a:cs typeface="Segoe UI" panose="020B0502040204020203" pitchFamily="34" charset="0"/>
+              </a:rPr>
+              <a:t>SalesAmount</a:t>
+            </a:r>
+            <a:r>
+              <a:rPr kumimoji="0" lang="fr-FR" altLang="en-US" b="1" i="0" u="none" strike="noStrike" cap="none" normalizeH="0" baseline="0" dirty="0" smtClean="0">
+                <a:ln>
+                  <a:noFill/>
+                </a:ln>
+                <a:solidFill>
+                  <a:schemeClr val="tx1"/>
+                </a:solidFill>
+                <a:effectLst/>
+                <a:latin typeface="Segoe UI" panose="020B0502040204020203" pitchFamily="34" charset="0"/>
+                <a:cs typeface="Segoe UI" panose="020B0502040204020203" pitchFamily="34" charset="0"/>
+              </a:rPr>
+              <a:t>]))</a:t>
+            </a:r>
+            <a:endParaRPr kumimoji="0" lang="fr-FR" altLang="en-US" b="0" i="0" u="none" strike="noStrike" cap="none" normalizeH="0" baseline="0" dirty="0" smtClean="0">
+              <a:ln>
+                <a:noFill/>
+              </a:ln>
+              <a:solidFill>
+                <a:schemeClr val="tx1"/>
+              </a:solidFill>
+              <a:effectLst/>
+              <a:latin typeface="Segoe UI" panose="020B0502040204020203" pitchFamily="34" charset="0"/>
+              <a:cs typeface="Segoe UI" panose="020B0502040204020203" pitchFamily="34" charset="0"/>
+            </a:endParaRPr>
+          </a:p>
+          <a:p>
+            <a:pPr lvl="1" eaLnBrk="0" fontAlgn="base" hangingPunct="0">
+              <a:spcBef>
+                <a:spcPct val="0"/>
+              </a:spcBef>
+              <a:spcAft>
+                <a:spcPct val="0"/>
+              </a:spcAft>
+              <a:buFontTx/>
+              <a:buChar char="•"/>
+            </a:pPr>
+            <a:r>
+              <a:rPr kumimoji="0" lang="fr-FR" altLang="en-US" b="1" i="0" u="none" strike="noStrike" cap="none" normalizeH="0" baseline="0" dirty="0" smtClean="0">
+                <a:ln>
+                  <a:noFill/>
+                </a:ln>
+                <a:solidFill>
+                  <a:schemeClr val="tx1"/>
+                </a:solidFill>
+                <a:effectLst/>
+                <a:latin typeface="Segoe UI" panose="020B0502040204020203" pitchFamily="34" charset="0"/>
+                <a:cs typeface="Segoe UI" panose="020B0502040204020203" pitchFamily="34" charset="0"/>
+              </a:rPr>
+              <a:t>SUM(FactSales[</a:t>
+            </a:r>
+            <a:r>
+              <a:rPr kumimoji="0" lang="fr-FR" altLang="en-US" b="1" i="0" u="none" strike="noStrike" cap="none" normalizeH="0" baseline="0" dirty="0" err="1" smtClean="0">
+                <a:ln>
+                  <a:noFill/>
+                </a:ln>
+                <a:solidFill>
+                  <a:schemeClr val="tx1"/>
+                </a:solidFill>
+                <a:effectLst/>
+                <a:latin typeface="Segoe UI" panose="020B0502040204020203" pitchFamily="34" charset="0"/>
+                <a:cs typeface="Segoe UI" panose="020B0502040204020203" pitchFamily="34" charset="0"/>
+              </a:rPr>
+              <a:t>SalesAmount</a:t>
+            </a:r>
+            <a:r>
+              <a:rPr kumimoji="0" lang="fr-FR" altLang="en-US" b="1" i="0" u="none" strike="noStrike" cap="none" normalizeH="0" baseline="0" dirty="0" smtClean="0">
+                <a:ln>
+                  <a:noFill/>
+                </a:ln>
+                <a:solidFill>
+                  <a:schemeClr val="tx1"/>
+                </a:solidFill>
+                <a:effectLst/>
+                <a:latin typeface="Segoe UI" panose="020B0502040204020203" pitchFamily="34" charset="0"/>
+                <a:cs typeface="Segoe UI" panose="020B0502040204020203" pitchFamily="34" charset="0"/>
+              </a:rPr>
+              <a:t>]) </a:t>
+            </a:r>
+            <a:r>
+              <a:rPr kumimoji="0" lang="fr-FR" altLang="en-US" b="0" i="0" u="none" strike="noStrike" cap="none" normalizeH="0" baseline="0" dirty="0" smtClean="0">
+                <a:ln>
+                  <a:noFill/>
+                </a:ln>
+                <a:solidFill>
+                  <a:schemeClr val="tx1"/>
+                </a:solidFill>
+                <a:effectLst/>
+                <a:latin typeface="Segoe UI" panose="020B0502040204020203" pitchFamily="34" charset="0"/>
+                <a:cs typeface="Segoe UI" panose="020B0502040204020203" pitchFamily="34" charset="0"/>
+              </a:rPr>
+              <a:t>calcule le total des ventes.</a:t>
+            </a:r>
+          </a:p>
+          <a:p>
+            <a:pPr lvl="1" eaLnBrk="0" fontAlgn="base" hangingPunct="0">
+              <a:spcBef>
+                <a:spcPct val="0"/>
+              </a:spcBef>
+              <a:spcAft>
+                <a:spcPct val="0"/>
+              </a:spcAft>
+              <a:buFontTx/>
+              <a:buChar char="•"/>
+            </a:pPr>
+            <a:r>
+              <a:rPr kumimoji="0" lang="fr-FR" altLang="en-US" b="1" i="0" u="none" strike="noStrike" cap="none" normalizeH="0" baseline="0" dirty="0" smtClean="0">
+                <a:ln>
+                  <a:noFill/>
+                </a:ln>
+                <a:solidFill>
+                  <a:schemeClr val="tx1"/>
+                </a:solidFill>
+                <a:effectLst/>
+                <a:latin typeface="Segoe UI" panose="020B0502040204020203" pitchFamily="34" charset="0"/>
+                <a:cs typeface="Segoe UI" panose="020B0502040204020203" pitchFamily="34" charset="0"/>
+              </a:rPr>
+              <a:t>CALCULATE</a:t>
+            </a:r>
+            <a:r>
+              <a:rPr kumimoji="0" lang="fr-FR" altLang="en-US" b="0" i="0" u="none" strike="noStrike" cap="none" normalizeH="0" baseline="0" dirty="0" smtClean="0">
+                <a:ln>
+                  <a:noFill/>
+                </a:ln>
+                <a:solidFill>
+                  <a:schemeClr val="tx1"/>
+                </a:solidFill>
+                <a:effectLst/>
+                <a:latin typeface="Segoe UI" panose="020B0502040204020203" pitchFamily="34" charset="0"/>
+                <a:cs typeface="Segoe UI" panose="020B0502040204020203" pitchFamily="34" charset="0"/>
+              </a:rPr>
+              <a:t> applique le contexte de filtre pour s'assurer que seules les ventes liées </a:t>
+            </a:r>
+          </a:p>
+          <a:p>
+            <a:pPr lvl="1" eaLnBrk="0" fontAlgn="base" hangingPunct="0">
+              <a:spcBef>
+                <a:spcPct val="0"/>
+              </a:spcBef>
+              <a:spcAft>
+                <a:spcPct val="0"/>
+              </a:spcAft>
+            </a:pPr>
+            <a:r>
+              <a:rPr lang="fr-FR" altLang="en-US" dirty="0">
+                <a:latin typeface="Segoe UI" panose="020B0502040204020203" pitchFamily="34" charset="0"/>
+                <a:cs typeface="Segoe UI" panose="020B0502040204020203" pitchFamily="34" charset="0"/>
+              </a:rPr>
+              <a:t> </a:t>
+            </a:r>
+            <a:r>
+              <a:rPr lang="fr-FR" altLang="en-US" dirty="0" smtClean="0">
+                <a:latin typeface="Segoe UI" panose="020B0502040204020203" pitchFamily="34" charset="0"/>
+                <a:cs typeface="Segoe UI" panose="020B0502040204020203" pitchFamily="34" charset="0"/>
+              </a:rPr>
+              <a:t>                      </a:t>
+            </a:r>
+            <a:r>
+              <a:rPr kumimoji="0" lang="fr-FR" altLang="en-US" b="0" i="0" u="none" strike="noStrike" cap="none" normalizeH="0" baseline="0" dirty="0" smtClean="0">
+                <a:ln>
+                  <a:noFill/>
+                </a:ln>
+                <a:solidFill>
+                  <a:schemeClr val="tx1"/>
+                </a:solidFill>
+                <a:effectLst/>
+                <a:latin typeface="Segoe UI" panose="020B0502040204020203" pitchFamily="34" charset="0"/>
+                <a:cs typeface="Segoe UI" panose="020B0502040204020203" pitchFamily="34" charset="0"/>
+              </a:rPr>
+              <a:t>au fournisseur</a:t>
+            </a:r>
+            <a:r>
+              <a:rPr kumimoji="0" lang="fr-FR" altLang="en-US" b="0" i="0" u="none" strike="noStrike" cap="none" normalizeH="0" dirty="0" smtClean="0">
+                <a:ln>
+                  <a:noFill/>
+                </a:ln>
+                <a:solidFill>
+                  <a:schemeClr val="tx1"/>
+                </a:solidFill>
+                <a:effectLst/>
+                <a:latin typeface="Segoe UI" panose="020B0502040204020203" pitchFamily="34" charset="0"/>
+                <a:cs typeface="Segoe UI" panose="020B0502040204020203" pitchFamily="34" charset="0"/>
+              </a:rPr>
+              <a:t> </a:t>
+            </a:r>
+            <a:r>
+              <a:rPr kumimoji="0" lang="fr-FR" altLang="en-US" b="0" i="0" u="none" strike="noStrike" cap="none" normalizeH="0" baseline="0" dirty="0" smtClean="0">
+                <a:ln>
+                  <a:noFill/>
+                </a:ln>
+                <a:solidFill>
+                  <a:schemeClr val="tx1"/>
+                </a:solidFill>
+                <a:effectLst/>
+                <a:latin typeface="Segoe UI" panose="020B0502040204020203" pitchFamily="34" charset="0"/>
+                <a:cs typeface="Segoe UI" panose="020B0502040204020203" pitchFamily="34" charset="0"/>
+              </a:rPr>
+              <a:t>actuel sont prises en compte.</a:t>
+            </a:r>
+          </a:p>
+          <a:p>
+            <a:pPr marL="0" marR="0" lvl="0" indent="0" algn="l" defTabSz="914400" rtl="0" eaLnBrk="0" fontAlgn="base" latinLnBrk="0" hangingPunct="0">
+              <a:lnSpc>
+                <a:spcPct val="100000"/>
+              </a:lnSpc>
+              <a:spcBef>
+                <a:spcPct val="0"/>
+              </a:spcBef>
+              <a:spcAft>
+                <a:spcPct val="0"/>
+              </a:spcAft>
+              <a:buClrTx/>
+              <a:buSzTx/>
+              <a:buFontTx/>
+              <a:buNone/>
+              <a:tabLst/>
+            </a:pPr>
+            <a:endParaRPr kumimoji="0" lang="fr-FR" altLang="en-US" b="0" i="0" u="none" strike="noStrike" cap="none" normalizeH="0" baseline="0" dirty="0" smtClean="0">
+              <a:ln>
+                <a:noFill/>
+              </a:ln>
+              <a:solidFill>
+                <a:schemeClr val="tx1"/>
+              </a:solidFill>
+              <a:effectLst/>
+              <a:latin typeface="Segoe UI" panose="020B0502040204020203" pitchFamily="34" charset="0"/>
+              <a:cs typeface="Segoe UI" panose="020B0502040204020203" pitchFamily="34" charset="0"/>
+            </a:endParaRPr>
+          </a:p>
+        </p:txBody>
+      </p:sp>
+      <p:sp>
+        <p:nvSpPr>
+          <p:cNvPr id="7" name="Rectangle 3"/>
+          <p:cNvSpPr>
+            <a:spLocks noChangeArrowheads="1"/>
+          </p:cNvSpPr>
+          <p:nvPr/>
+        </p:nvSpPr>
+        <p:spPr bwMode="auto">
+          <a:xfrm>
+            <a:off x="405636" y="3827880"/>
+            <a:ext cx="11387028" cy="1200329"/>
+          </a:xfrm>
+          <a:prstGeom prst="rect">
+            <a:avLst/>
+          </a:prstGeom>
+          <a:noFill/>
+          <a:ln>
+            <a:noFill/>
+          </a:ln>
+          <a:effectLst/>
+          <a:extLst>
+            <a:ext uri="{909E8E84-426E-40DD-AFC4-6F175D3DCCD1}">
+              <a14:hiddenFill xmlns:a14="http://schemas.microsoft.com/office/drawing/2010/main">
+                <a:solidFill>
+                  <a:schemeClr val="accent1"/>
+                </a:solidFill>
+              </a14:hiddenFill>
+            </a:ext>
+            <a:ext uri="{91240B29-F687-4F45-9708-019B960494DF}">
+              <a14:hiddenLine xmlns:a14="http://schemas.microsoft.com/office/drawing/2010/main" w="9525">
+                <a:solidFill>
+                  <a:schemeClr val="tx1"/>
+                </a:solidFill>
+                <a:miter lim="800000"/>
+                <a:headEnd/>
+                <a:tailEnd/>
+              </a14:hiddenLine>
+            </a:ext>
+            <a:ext uri="{AF507438-7753-43E0-B8FC-AC1667EBCBE1}">
+              <a14:hiddenEffects xmlns:a14="http://schemas.microsoft.com/office/drawing/2010/main">
+                <a:effectLst>
+                  <a:outerShdw dist="35921" dir="2700000" algn="ctr" rotWithShape="0">
+                    <a:schemeClr val="bg2"/>
+                  </a:outerShdw>
+                </a:effectLst>
+              </a14:hiddenEffects>
+            </a:ext>
+          </a:extLst>
+        </p:spPr>
+        <p:txBody>
+          <a:bodyPr vert="horz" wrap="none" lIns="91440" tIns="45720" rIns="91440" bIns="45720" numCol="1" anchor="ctr" anchorCtr="0" compatLnSpc="1">
+            <a:prstTxWarp prst="textNoShape">
+              <a:avLst/>
+            </a:prstTxWarp>
+            <a:spAutoFit/>
+          </a:bodyPr>
+          <a:lstStyle/>
+          <a:p>
+            <a:pPr marL="0" marR="0" lvl="0" indent="0" algn="l" defTabSz="914400" rtl="0" eaLnBrk="0" fontAlgn="base" latinLnBrk="0" hangingPunct="0">
+              <a:lnSpc>
+                <a:spcPct val="100000"/>
+              </a:lnSpc>
+              <a:spcBef>
+                <a:spcPct val="0"/>
+              </a:spcBef>
+              <a:spcAft>
+                <a:spcPct val="0"/>
+              </a:spcAft>
+              <a:buClrTx/>
+              <a:buSzTx/>
+              <a:buFontTx/>
+              <a:buNone/>
+              <a:tabLst/>
+            </a:pPr>
+            <a:r>
+              <a:rPr kumimoji="0" lang="fr-FR" altLang="en-US" b="1" i="0" u="none" strike="noStrike" cap="none" normalizeH="0" baseline="0" dirty="0" smtClean="0">
+                <a:ln>
+                  <a:noFill/>
+                </a:ln>
+                <a:solidFill>
+                  <a:schemeClr val="tx1"/>
+                </a:solidFill>
+                <a:effectLst/>
+                <a:latin typeface="Segoe UI" panose="020B0502040204020203" pitchFamily="34" charset="0"/>
+                <a:cs typeface="Segoe UI" panose="020B0502040204020203" pitchFamily="34" charset="0"/>
+              </a:rPr>
+              <a:t>COALESCE(..., 0)</a:t>
+            </a:r>
+            <a:endParaRPr kumimoji="0" lang="fr-FR" altLang="en-US" b="0" i="0" u="none" strike="noStrike" cap="none" normalizeH="0" baseline="0" dirty="0" smtClean="0">
+              <a:ln>
+                <a:noFill/>
+              </a:ln>
+              <a:solidFill>
+                <a:schemeClr val="tx1"/>
+              </a:solidFill>
+              <a:effectLst/>
+              <a:latin typeface="Segoe UI" panose="020B0502040204020203" pitchFamily="34" charset="0"/>
+              <a:cs typeface="Segoe UI" panose="020B0502040204020203" pitchFamily="34" charset="0"/>
+            </a:endParaRPr>
+          </a:p>
+          <a:p>
+            <a:pPr lvl="1" eaLnBrk="0" fontAlgn="base" hangingPunct="0">
+              <a:spcBef>
+                <a:spcPct val="0"/>
+              </a:spcBef>
+              <a:spcAft>
+                <a:spcPct val="0"/>
+              </a:spcAft>
+              <a:buFontTx/>
+              <a:buChar char="•"/>
+            </a:pPr>
+            <a:r>
+              <a:rPr kumimoji="0" lang="fr-FR" altLang="en-US" b="0" i="0" u="none" strike="noStrike" cap="none" normalizeH="0" baseline="0" dirty="0" smtClean="0">
+                <a:ln>
+                  <a:noFill/>
+                </a:ln>
+                <a:solidFill>
+                  <a:schemeClr val="tx1"/>
+                </a:solidFill>
+                <a:effectLst/>
+                <a:latin typeface="Segoe UI" panose="020B0502040204020203" pitchFamily="34" charset="0"/>
+                <a:cs typeface="Segoe UI" panose="020B0502040204020203" pitchFamily="34" charset="0"/>
+              </a:rPr>
+              <a:t>Si un fournisseur n’a pas de ventes dans </a:t>
+            </a:r>
+            <a:r>
+              <a:rPr kumimoji="0" lang="fr-FR" altLang="en-US" b="1" i="0" u="none" strike="noStrike" cap="none" normalizeH="0" baseline="0" dirty="0" smtClean="0">
+                <a:ln>
+                  <a:noFill/>
+                </a:ln>
+                <a:solidFill>
+                  <a:schemeClr val="tx1"/>
+                </a:solidFill>
+                <a:effectLst/>
+                <a:latin typeface="Segoe UI" panose="020B0502040204020203" pitchFamily="34" charset="0"/>
+                <a:cs typeface="Segoe UI" panose="020B0502040204020203" pitchFamily="34" charset="0"/>
+              </a:rPr>
+              <a:t>FactSales</a:t>
+            </a:r>
+            <a:r>
+              <a:rPr kumimoji="0" lang="fr-FR" altLang="en-US" b="0" i="0" u="none" strike="noStrike" cap="none" normalizeH="0" baseline="0" dirty="0" smtClean="0">
+                <a:ln>
+                  <a:noFill/>
+                </a:ln>
+                <a:solidFill>
+                  <a:schemeClr val="tx1"/>
+                </a:solidFill>
+                <a:effectLst/>
+                <a:latin typeface="Segoe UI" panose="020B0502040204020203" pitchFamily="34" charset="0"/>
+                <a:cs typeface="Segoe UI" panose="020B0502040204020203" pitchFamily="34" charset="0"/>
+              </a:rPr>
+              <a:t>, </a:t>
+            </a:r>
+            <a:r>
+              <a:rPr kumimoji="0" lang="fr-FR" altLang="en-US" b="1" i="0" u="none" strike="noStrike" cap="none" normalizeH="0" baseline="0" dirty="0" smtClean="0">
+                <a:ln>
+                  <a:noFill/>
+                </a:ln>
+                <a:solidFill>
+                  <a:schemeClr val="tx1"/>
+                </a:solidFill>
+                <a:effectLst/>
+                <a:latin typeface="Segoe UI" panose="020B0502040204020203" pitchFamily="34" charset="0"/>
+                <a:cs typeface="Segoe UI" panose="020B0502040204020203" pitchFamily="34" charset="0"/>
+              </a:rPr>
+              <a:t>SUM(FactSales[</a:t>
+            </a:r>
+            <a:r>
+              <a:rPr kumimoji="0" lang="fr-FR" altLang="en-US" b="1" i="0" u="none" strike="noStrike" cap="none" normalizeH="0" baseline="0" dirty="0" err="1" smtClean="0">
+                <a:ln>
+                  <a:noFill/>
+                </a:ln>
+                <a:solidFill>
+                  <a:schemeClr val="tx1"/>
+                </a:solidFill>
+                <a:effectLst/>
+                <a:latin typeface="Segoe UI" panose="020B0502040204020203" pitchFamily="34" charset="0"/>
+                <a:cs typeface="Segoe UI" panose="020B0502040204020203" pitchFamily="34" charset="0"/>
+              </a:rPr>
+              <a:t>SalesAmount</a:t>
+            </a:r>
+            <a:r>
+              <a:rPr kumimoji="0" lang="fr-FR" altLang="en-US" b="1" i="0" u="none" strike="noStrike" cap="none" normalizeH="0" baseline="0" dirty="0" smtClean="0">
+                <a:ln>
+                  <a:noFill/>
+                </a:ln>
+                <a:solidFill>
+                  <a:schemeClr val="tx1"/>
+                </a:solidFill>
+                <a:effectLst/>
+                <a:latin typeface="Segoe UI" panose="020B0502040204020203" pitchFamily="34" charset="0"/>
+                <a:cs typeface="Segoe UI" panose="020B0502040204020203" pitchFamily="34" charset="0"/>
+              </a:rPr>
+              <a:t>]) </a:t>
+            </a:r>
+            <a:r>
+              <a:rPr kumimoji="0" lang="fr-FR" altLang="en-US" b="0" i="0" u="none" strike="noStrike" cap="none" normalizeH="0" baseline="0" dirty="0" smtClean="0">
+                <a:ln>
+                  <a:noFill/>
+                </a:ln>
+                <a:solidFill>
+                  <a:schemeClr val="tx1"/>
+                </a:solidFill>
+                <a:effectLst/>
+                <a:latin typeface="Segoe UI" panose="020B0502040204020203" pitchFamily="34" charset="0"/>
+                <a:cs typeface="Segoe UI" panose="020B0502040204020203" pitchFamily="34" charset="0"/>
+              </a:rPr>
+              <a:t>renverra </a:t>
+            </a:r>
+            <a:r>
+              <a:rPr kumimoji="0" lang="fr-FR" altLang="en-US" b="1" i="0" u="none" strike="noStrike" cap="none" normalizeH="0" baseline="0" dirty="0" smtClean="0">
+                <a:ln>
+                  <a:noFill/>
+                </a:ln>
+                <a:solidFill>
+                  <a:schemeClr val="tx1"/>
+                </a:solidFill>
+                <a:effectLst/>
+                <a:latin typeface="Segoe UI" panose="020B0502040204020203" pitchFamily="34" charset="0"/>
+                <a:cs typeface="Segoe UI" panose="020B0502040204020203" pitchFamily="34" charset="0"/>
+              </a:rPr>
+              <a:t>BLANK().</a:t>
+            </a:r>
+          </a:p>
+          <a:p>
+            <a:pPr lvl="1" eaLnBrk="0" fontAlgn="base" hangingPunct="0">
+              <a:spcBef>
+                <a:spcPct val="0"/>
+              </a:spcBef>
+              <a:spcAft>
+                <a:spcPct val="0"/>
+              </a:spcAft>
+              <a:buFontTx/>
+              <a:buChar char="•"/>
+            </a:pPr>
+            <a:r>
+              <a:rPr kumimoji="0" lang="fr-FR" altLang="en-US" b="1" i="0" u="none" strike="noStrike" cap="none" normalizeH="0" baseline="0" dirty="0" smtClean="0">
+                <a:ln>
+                  <a:noFill/>
+                </a:ln>
+                <a:solidFill>
+                  <a:schemeClr val="tx1"/>
+                </a:solidFill>
+                <a:effectLst/>
+                <a:latin typeface="Segoe UI" panose="020B0502040204020203" pitchFamily="34" charset="0"/>
+                <a:cs typeface="Segoe UI" panose="020B0502040204020203" pitchFamily="34" charset="0"/>
+              </a:rPr>
+              <a:t>COALESCE</a:t>
+            </a:r>
+            <a:r>
+              <a:rPr kumimoji="0" lang="fr-FR" altLang="en-US" b="0" i="0" u="none" strike="noStrike" cap="none" normalizeH="0" baseline="0" dirty="0" smtClean="0">
+                <a:ln>
+                  <a:noFill/>
+                </a:ln>
+                <a:solidFill>
+                  <a:schemeClr val="tx1"/>
+                </a:solidFill>
+                <a:effectLst/>
+                <a:latin typeface="Segoe UI" panose="020B0502040204020203" pitchFamily="34" charset="0"/>
+                <a:cs typeface="Segoe UI" panose="020B0502040204020203" pitchFamily="34" charset="0"/>
+              </a:rPr>
+              <a:t> remplace </a:t>
+            </a:r>
+            <a:r>
+              <a:rPr kumimoji="0" lang="fr-FR" altLang="en-US" b="1" i="0" u="none" strike="noStrike" cap="none" normalizeH="0" baseline="0" dirty="0" smtClean="0">
+                <a:ln>
+                  <a:noFill/>
+                </a:ln>
+                <a:solidFill>
+                  <a:schemeClr val="tx1"/>
+                </a:solidFill>
+                <a:effectLst/>
+                <a:latin typeface="Segoe UI" panose="020B0502040204020203" pitchFamily="34" charset="0"/>
+                <a:cs typeface="Segoe UI" panose="020B0502040204020203" pitchFamily="34" charset="0"/>
+              </a:rPr>
+              <a:t>BLANK() </a:t>
+            </a:r>
+            <a:r>
+              <a:rPr kumimoji="0" lang="fr-FR" altLang="en-US" b="0" i="0" u="none" strike="noStrike" cap="none" normalizeH="0" baseline="0" dirty="0" smtClean="0">
+                <a:ln>
+                  <a:noFill/>
+                </a:ln>
+                <a:solidFill>
+                  <a:schemeClr val="tx1"/>
+                </a:solidFill>
+                <a:effectLst/>
+                <a:latin typeface="Segoe UI" panose="020B0502040204020203" pitchFamily="34" charset="0"/>
+                <a:cs typeface="Segoe UI" panose="020B0502040204020203" pitchFamily="34" charset="0"/>
+              </a:rPr>
+              <a:t>par 0, évitant ainsi des valeurs vides dans les résultats.</a:t>
+            </a:r>
+          </a:p>
+          <a:p>
+            <a:pPr marL="0" marR="0" lvl="0" indent="0" algn="l" defTabSz="914400" rtl="0" eaLnBrk="0" fontAlgn="base" latinLnBrk="0" hangingPunct="0">
+              <a:lnSpc>
+                <a:spcPct val="100000"/>
+              </a:lnSpc>
+              <a:spcBef>
+                <a:spcPct val="0"/>
+              </a:spcBef>
+              <a:spcAft>
+                <a:spcPct val="0"/>
+              </a:spcAft>
+              <a:buClrTx/>
+              <a:buSzTx/>
+              <a:buFontTx/>
+              <a:buNone/>
+              <a:tabLst/>
+            </a:pPr>
+            <a:endParaRPr kumimoji="0" lang="fr-FR" altLang="en-US" b="0" i="0" u="none" strike="noStrike" cap="none" normalizeH="0" baseline="0" dirty="0" smtClean="0">
+              <a:ln>
+                <a:noFill/>
+              </a:ln>
+              <a:solidFill>
+                <a:schemeClr val="tx1"/>
+              </a:solidFill>
+              <a:effectLst/>
+              <a:latin typeface="Segoe UI" panose="020B0502040204020203" pitchFamily="34" charset="0"/>
+              <a:cs typeface="Segoe UI" panose="020B0502040204020203" pitchFamily="34" charset="0"/>
+            </a:endParaRPr>
+          </a:p>
+        </p:txBody>
+      </p:sp>
+    </p:spTree>
+    <p:extLst>
+      <p:ext uri="{BB962C8B-B14F-4D97-AF65-F5344CB8AC3E}">
+        <p14:creationId xmlns:p14="http://schemas.microsoft.com/office/powerpoint/2010/main" val="2329507700"/>
+      </p:ext>
+    </p:extLst>
+  </p:cSld>
+  <p:clrMapOvr>
+    <a:masterClrMapping/>
+  </p:clrMapOvr>
+</p:sld>
+</file>
+
+<file path=ppt/slides/slide8.xml><?xml version="1.0" encoding="utf-8"?>
+<p:sld xmlns:a="http://schemas.openxmlformats.org/drawingml/2006/main" xmlns:r="http://schemas.openxmlformats.org/officeDocument/2006/relationships" xmlns:p="http://schemas.openxmlformats.org/presentationml/2006/main">
+  <p:cSld>
+    <p:spTree>
+      <p:nvGrpSpPr>
+        <p:cNvPr id="1" name=""/>
+        <p:cNvGrpSpPr/>
+        <p:nvPr/>
+      </p:nvGrpSpPr>
+      <p:grpSpPr>
+        <a:xfrm>
+          <a:off x="0" y="0"/>
+          <a:ext cx="0" cy="0"/>
+          <a:chOff x="0" y="0"/>
+          <a:chExt cx="0" cy="0"/>
+        </a:xfrm>
+      </p:grpSpPr>
+      <p:sp>
+        <p:nvSpPr>
+          <p:cNvPr id="2" name="TextBox 1"/>
+          <p:cNvSpPr txBox="1"/>
+          <p:nvPr/>
+        </p:nvSpPr>
+        <p:spPr>
+          <a:xfrm>
+            <a:off x="288758" y="275007"/>
+            <a:ext cx="1924501" cy="400110"/>
+          </a:xfrm>
+          <a:prstGeom prst="rect">
+            <a:avLst/>
+          </a:prstGeom>
+          <a:noFill/>
+        </p:spPr>
+        <p:txBody>
+          <a:bodyPr wrap="none" rtlCol="0">
+            <a:spAutoFit/>
+          </a:bodyPr>
+          <a:lstStyle/>
+          <a:p>
+            <a:r>
+              <a:rPr lang="en-US" sz="2000" b="1" dirty="0" smtClean="0">
+                <a:latin typeface="Segoe UI" panose="020B0502040204020203" pitchFamily="34" charset="0"/>
+                <a:cs typeface="Segoe UI" panose="020B0502040204020203" pitchFamily="34" charset="0"/>
+              </a:rPr>
+              <a:t>Many to many</a:t>
+            </a:r>
+            <a:endParaRPr lang="en-US" sz="2000" b="1" dirty="0">
+              <a:latin typeface="Segoe UI" panose="020B0502040204020203" pitchFamily="34" charset="0"/>
+              <a:cs typeface="Segoe UI" panose="020B0502040204020203" pitchFamily="34" charset="0"/>
+            </a:endParaRPr>
+          </a:p>
+        </p:txBody>
+      </p:sp>
+      <p:sp>
+        <p:nvSpPr>
           <p:cNvPr id="3" name="Rectangle 2"/>
           <p:cNvSpPr/>
           <p:nvPr/>
@@ -5283,7 +6696,7 @@
 </p:sld>
 </file>
 
-<file path=ppt/slides/slide7.xml><?xml version="1.0" encoding="utf-8"?>
+<file path=ppt/slides/slide9.xml><?xml version="1.0" encoding="utf-8"?>
 <p:sld xmlns:a="http://schemas.openxmlformats.org/drawingml/2006/main" xmlns:r="http://schemas.openxmlformats.org/officeDocument/2006/relationships" xmlns:p="http://schemas.openxmlformats.org/presentationml/2006/main">
   <p:cSld>
     <p:spTree>
@@ -5503,171 +6916,6 @@
     <p:extLst>
       <p:ext uri="{BB962C8B-B14F-4D97-AF65-F5344CB8AC3E}">
         <p14:creationId xmlns:p14="http://schemas.microsoft.com/office/powerpoint/2010/main" val="3981664784"/>
-      </p:ext>
-    </p:extLst>
-  </p:cSld>
-  <p:clrMapOvr>
-    <a:masterClrMapping/>
-  </p:clrMapOvr>
-</p:sld>
-</file>
-
-<file path=ppt/slides/slide8.xml><?xml version="1.0" encoding="utf-8"?>
-<p:sld xmlns:a="http://schemas.openxmlformats.org/drawingml/2006/main" xmlns:r="http://schemas.openxmlformats.org/officeDocument/2006/relationships" xmlns:p="http://schemas.openxmlformats.org/presentationml/2006/main">
-  <p:cSld>
-    <p:bg>
-      <p:bgPr>
-        <a:solidFill>
-          <a:srgbClr val="FFC000"/>
-        </a:solidFill>
-        <a:effectLst/>
-      </p:bgPr>
-    </p:bg>
-    <p:spTree>
-      <p:nvGrpSpPr>
-        <p:cNvPr id="1" name=""/>
-        <p:cNvGrpSpPr/>
-        <p:nvPr/>
-      </p:nvGrpSpPr>
-      <p:grpSpPr>
-        <a:xfrm>
-          <a:off x="0" y="0"/>
-          <a:ext cx="0" cy="0"/>
-          <a:chOff x="0" y="0"/>
-          <a:chExt cx="0" cy="0"/>
-        </a:xfrm>
-      </p:grpSpPr>
-      <p:sp>
-        <p:nvSpPr>
-          <p:cNvPr id="2" name="AutoShape 2" descr="Minimalistic illustration in black and white on a white background with the text 'Thank You' elegantly styled below. The design features simple, clean icons such as a handshake or a ribbon to symbolize gratitude, with a professional and modern aesthetic suitable for a presentation closing slide."/>
-          <p:cNvSpPr>
-            <a:spLocks noChangeAspect="1" noChangeArrowheads="1"/>
-          </p:cNvSpPr>
-          <p:nvPr/>
-        </p:nvSpPr>
-        <p:spPr bwMode="auto">
-          <a:xfrm>
-            <a:off x="155575" y="-144463"/>
-            <a:ext cx="304800" cy="304801"/>
-          </a:xfrm>
-          <a:prstGeom prst="rect">
-            <a:avLst/>
-          </a:prstGeom>
-          <a:noFill/>
-          <a:extLst>
-            <a:ext uri="{909E8E84-426E-40DD-AFC4-6F175D3DCCD1}">
-              <a14:hiddenFill xmlns:a14="http://schemas.microsoft.com/office/drawing/2010/main">
-                <a:solidFill>
-                  <a:srgbClr val="FFFFFF"/>
-                </a:solidFill>
-              </a14:hiddenFill>
-            </a:ext>
-          </a:extLst>
-        </p:spPr>
-        <p:txBody>
-          <a:bodyPr vert="horz" wrap="square" lIns="91440" tIns="45720" rIns="91440" bIns="45720" numCol="1" anchor="t" anchorCtr="0" compatLnSpc="1">
-            <a:prstTxWarp prst="textNoShape">
-              <a:avLst/>
-            </a:prstTxWarp>
-          </a:bodyPr>
-          <a:lstStyle/>
-          <a:p>
-            <a:endParaRPr lang="en-US"/>
-          </a:p>
-        </p:txBody>
-      </p:sp>
-      <p:sp>
-        <p:nvSpPr>
-          <p:cNvPr id="7" name="TextBox 6"/>
-          <p:cNvSpPr txBox="1"/>
-          <p:nvPr/>
-        </p:nvSpPr>
-        <p:spPr>
-          <a:xfrm>
-            <a:off x="4023104" y="2629946"/>
-            <a:ext cx="3456395" cy="1569660"/>
-          </a:xfrm>
-          <a:prstGeom prst="rect">
-            <a:avLst/>
-          </a:prstGeom>
-          <a:noFill/>
-        </p:spPr>
-        <p:txBody>
-          <a:bodyPr wrap="none" rtlCol="0">
-            <a:spAutoFit/>
-          </a:bodyPr>
-          <a:lstStyle/>
-          <a:p>
-            <a:r>
-              <a:rPr lang="en-US" sz="9600" b="1" dirty="0" smtClean="0">
-                <a:solidFill>
-                  <a:srgbClr val="7030A0"/>
-                </a:solidFill>
-                <a:latin typeface="Segoe UI" panose="020B0502040204020203" pitchFamily="34" charset="0"/>
-                <a:ea typeface="Verdana" panose="020B0604030504040204" pitchFamily="34" charset="0"/>
-                <a:cs typeface="Segoe UI" panose="020B0502040204020203" pitchFamily="34" charset="0"/>
-              </a:rPr>
-              <a:t>Merci</a:t>
-            </a:r>
-            <a:endParaRPr lang="en-US" sz="9600" b="1" dirty="0">
-              <a:solidFill>
-                <a:srgbClr val="7030A0"/>
-              </a:solidFill>
-              <a:latin typeface="Segoe UI" panose="020B0502040204020203" pitchFamily="34" charset="0"/>
-              <a:ea typeface="Verdana" panose="020B0604030504040204" pitchFamily="34" charset="0"/>
-              <a:cs typeface="Segoe UI" panose="020B0502040204020203" pitchFamily="34" charset="0"/>
-            </a:endParaRPr>
-          </a:p>
-        </p:txBody>
-      </p:sp>
-      <p:sp>
-        <p:nvSpPr>
-          <p:cNvPr id="8" name="TextBox 7"/>
-          <p:cNvSpPr txBox="1"/>
-          <p:nvPr/>
-        </p:nvSpPr>
-        <p:spPr>
-          <a:xfrm>
-            <a:off x="3962373" y="2541714"/>
-            <a:ext cx="3456395" cy="1569660"/>
-          </a:xfrm>
-          <a:prstGeom prst="rect">
-            <a:avLst/>
-          </a:prstGeom>
-          <a:noFill/>
-        </p:spPr>
-        <p:txBody>
-          <a:bodyPr wrap="none" rtlCol="0">
-            <a:spAutoFit/>
-          </a:bodyPr>
-          <a:lstStyle/>
-          <a:p>
-            <a:r>
-              <a:rPr lang="en-US" sz="9600" b="1" dirty="0" smtClean="0">
-                <a:solidFill>
-                  <a:schemeClr val="bg1"/>
-                </a:solidFill>
-                <a:latin typeface="Segoe UI" panose="020B0502040204020203" pitchFamily="34" charset="0"/>
-                <a:ea typeface="Verdana" panose="020B0604030504040204" pitchFamily="34" charset="0"/>
-                <a:cs typeface="Segoe UI" panose="020B0502040204020203" pitchFamily="34" charset="0"/>
-              </a:rPr>
-              <a:t>Merci</a:t>
-            </a:r>
-            <a:endParaRPr lang="en-US" sz="9600" b="1" dirty="0">
-              <a:solidFill>
-                <a:schemeClr val="bg1"/>
-              </a:solidFill>
-              <a:latin typeface="Segoe UI" panose="020B0502040204020203" pitchFamily="34" charset="0"/>
-              <a:ea typeface="Verdana" panose="020B0604030504040204" pitchFamily="34" charset="0"/>
-              <a:cs typeface="Segoe UI" panose="020B0502040204020203" pitchFamily="34" charset="0"/>
-            </a:endParaRPr>
-          </a:p>
-        </p:txBody>
-      </p:sp>
-    </p:spTree>
-    <p:extLst>
-      <p:ext uri="{BB962C8B-B14F-4D97-AF65-F5344CB8AC3E}">
-        <p14:creationId xmlns:p14="http://schemas.microsoft.com/office/powerpoint/2010/main" val="3494127604"/>
       </p:ext>
     </p:extLst>
   </p:cSld>
